--- a/Stage 1 - Notulen Mentoring.pptx
+++ b/Stage 1 - Notulen Mentoring.pptx
@@ -267,7 +267,7 @@
       <p15:sldGuideLst xmlns:p15="http://schemas.microsoft.com/office/powerpoint/2012/main"/>
     </p:ext>
     <p:ext uri="http://customooxmlschemas.google.com/">
-      <go:slidesCustomData xmlns:go="http://customooxmlschemas.google.com/" xmlns:ahyp="http://schemas.microsoft.com/office/drawing/2018/hyperlinkcolor" xmlns:p15="http://schemas.microsoft.com/office/powerpoint/2012/main" xmlns:p14="http://schemas.microsoft.com/office/powerpoint/2010/main" xmlns:com="http://schemas.openxmlformats.org/drawingml/2006/compatibility" xmlns:pvml="urn:schemas-microsoft-com:office:powerpoint" xmlns:v="urn:schemas-microsoft-com:vml" xmlns:o="urn:schemas-microsoft-com:office:office" xmlns:dgm="http://schemas.openxmlformats.org/drawingml/2006/diagram" xmlns:c="http://schemas.openxmlformats.org/drawingml/2006/chart" xmlns:mv="urn:schemas-microsoft-com:mac:vml" xmlns:mc="http://schemas.openxmlformats.org/markup-compatibility/2006" xmlns="" r:id="rId14" roundtripDataSignature="AMtx7mjd4VovYpmONFABAVfOSlvFpgzN0w=="/>
+      <go:slidesCustomData xmlns="" xmlns:mc="http://schemas.openxmlformats.org/markup-compatibility/2006" xmlns:mv="urn:schemas-microsoft-com:mac:vml" xmlns:c="http://schemas.openxmlformats.org/drawingml/2006/chart" xmlns:dgm="http://schemas.openxmlformats.org/drawingml/2006/diagram" xmlns:o="urn:schemas-microsoft-com:office:office" xmlns:v="urn:schemas-microsoft-com:vml" xmlns:pvml="urn:schemas-microsoft-com:office:powerpoint" xmlns:com="http://schemas.openxmlformats.org/drawingml/2006/compatibility" xmlns:p14="http://schemas.microsoft.com/office/powerpoint/2010/main" xmlns:p15="http://schemas.microsoft.com/office/powerpoint/2012/main" xmlns:ahyp="http://schemas.microsoft.com/office/drawing/2018/hyperlinkcolor" xmlns:go="http://customooxmlschemas.google.com/" r:id="rId14" roundtripDataSignature="AMtx7mjd4VovYpmONFABAVfOSlvFpgzN0w=="/>
     </p:ext>
   </p:extLst>
 </p:presentation>
@@ -13500,13 +13500,22 @@
               <a:buAutoNum type="arabicPeriod"/>
             </a:pPr>
             <a:r>
+              <a:rPr lang="en-US" sz="1200" dirty="0" err="1">
+                <a:latin typeface="Dosis" pitchFamily="2" charset="0"/>
+                <a:ea typeface="Comic Sans MS"/>
+                <a:cs typeface="Comic Sans MS"/>
+                <a:sym typeface="Comic Sans MS"/>
+              </a:rPr>
+              <a:t>Perubahan</a:t>
+            </a:r>
+            <a:r>
               <a:rPr lang="en-US" sz="1200" dirty="0">
                 <a:latin typeface="Dosis" pitchFamily="2" charset="0"/>
                 <a:ea typeface="Comic Sans MS"/>
                 <a:cs typeface="Comic Sans MS"/>
                 <a:sym typeface="Comic Sans MS"/>
               </a:rPr>
-              <a:t>Convert value 0,5,6 pada </a:t>
+              <a:t> value </a:t>
             </a:r>
             <a:r>
               <a:rPr lang="en-US" sz="1200" dirty="0" err="1">
@@ -13524,7 +13533,46 @@
                 <a:cs typeface="Comic Sans MS"/>
                 <a:sym typeface="Comic Sans MS"/>
               </a:rPr>
-              <a:t> Education dan value  pada </a:t>
+              <a:t> Education dan Marriage </a:t>
+            </a:r>
+          </a:p>
+          <a:p>
+            <a:pPr marL="228600" lvl="0" indent="-228600" algn="l" rtl="0">
+              <a:spcBef>
+                <a:spcPts val="0"/>
+              </a:spcBef>
+              <a:spcAft>
+                <a:spcPts val="0"/>
+              </a:spcAft>
+              <a:buSzPts val="1100"/>
+              <a:buAutoNum type="arabicPeriod"/>
+            </a:pPr>
+            <a:r>
+              <a:rPr lang="en-US" sz="1200" dirty="0">
+                <a:latin typeface="Dosis" pitchFamily="2" charset="0"/>
+                <a:ea typeface="Comic Sans MS"/>
+                <a:cs typeface="Comic Sans MS"/>
+                <a:sym typeface="Comic Sans MS"/>
+              </a:rPr>
+              <a:t>Negative Value yang </a:t>
+            </a:r>
+            <a:r>
+              <a:rPr lang="en-US" sz="1200" dirty="0" err="1">
+                <a:latin typeface="Dosis" pitchFamily="2" charset="0"/>
+                <a:ea typeface="Comic Sans MS"/>
+                <a:cs typeface="Comic Sans MS"/>
+                <a:sym typeface="Comic Sans MS"/>
+              </a:rPr>
+              <a:t>ada</a:t>
+            </a:r>
+            <a:r>
+              <a:rPr lang="en-US" sz="1200" dirty="0">
+                <a:latin typeface="Dosis" pitchFamily="2" charset="0"/>
+                <a:ea typeface="Comic Sans MS"/>
+                <a:cs typeface="Comic Sans MS"/>
+                <a:sym typeface="Comic Sans MS"/>
+              </a:rPr>
+              <a:t> pada </a:t>
             </a:r>
             <a:r>
               <a:rPr lang="en-US" sz="1200" dirty="0" err="1">
@@ -13542,25 +13590,7 @@
                 <a:cs typeface="Comic Sans MS"/>
                 <a:sym typeface="Comic Sans MS"/>
               </a:rPr>
-              <a:t>  Marriage </a:t>
-            </a:r>
-            <a:r>
-              <a:rPr lang="en-US" sz="1200" dirty="0" err="1">
-                <a:latin typeface="Dosis" pitchFamily="2" charset="0"/>
-                <a:ea typeface="Comic Sans MS"/>
-                <a:cs typeface="Comic Sans MS"/>
-                <a:sym typeface="Comic Sans MS"/>
-              </a:rPr>
-              <a:t>menjadi</a:t>
-            </a:r>
-            <a:r>
-              <a:rPr lang="en-US" sz="1200" dirty="0">
-                <a:latin typeface="Dosis" pitchFamily="2" charset="0"/>
-                <a:ea typeface="Comic Sans MS"/>
-                <a:cs typeface="Comic Sans MS"/>
-                <a:sym typeface="Comic Sans MS"/>
-              </a:rPr>
-              <a:t> others</a:t>
+              <a:t> Bill Amount</a:t>
             </a:r>
           </a:p>
           <a:p>
@@ -13581,43 +13611,7 @@
                 <a:cs typeface="Comic Sans MS"/>
                 <a:sym typeface="Comic Sans MS"/>
               </a:rPr>
-              <a:t>Untuk</a:t>
-            </a:r>
-            <a:r>
-              <a:rPr lang="en-US" sz="1200" dirty="0">
-                <a:latin typeface="Dosis" pitchFamily="2" charset="0"/>
-                <a:ea typeface="Comic Sans MS"/>
-                <a:cs typeface="Comic Sans MS"/>
-                <a:sym typeface="Comic Sans MS"/>
-              </a:rPr>
-              <a:t> value negative pada </a:t>
-            </a:r>
-            <a:r>
-              <a:rPr lang="en-US" sz="1200" dirty="0" err="1">
-                <a:latin typeface="Dosis" pitchFamily="2" charset="0"/>
-                <a:ea typeface="Comic Sans MS"/>
-                <a:cs typeface="Comic Sans MS"/>
-                <a:sym typeface="Comic Sans MS"/>
-              </a:rPr>
-              <a:t>kolom</a:t>
-            </a:r>
-            <a:r>
-              <a:rPr lang="en-US" sz="1200" dirty="0">
-                <a:latin typeface="Dosis" pitchFamily="2" charset="0"/>
-                <a:ea typeface="Comic Sans MS"/>
-                <a:cs typeface="Comic Sans MS"/>
-                <a:sym typeface="Comic Sans MS"/>
-              </a:rPr>
-              <a:t> Bill Amount </a:t>
-            </a:r>
-            <a:r>
-              <a:rPr lang="en-US" sz="1200" dirty="0" err="1">
-                <a:latin typeface="Dosis" pitchFamily="2" charset="0"/>
-                <a:ea typeface="Comic Sans MS"/>
-                <a:cs typeface="Comic Sans MS"/>
-                <a:sym typeface="Comic Sans MS"/>
-              </a:rPr>
-              <a:t>dicari</a:t>
+              <a:t>Masalah</a:t>
             </a:r>
             <a:r>
               <a:rPr lang="en-US" sz="1200" dirty="0">
@@ -13635,124 +13629,7 @@
                 <a:cs typeface="Comic Sans MS"/>
                 <a:sym typeface="Comic Sans MS"/>
               </a:rPr>
-              <a:t>tahu</a:t>
-            </a:r>
-            <a:r>
-              <a:rPr lang="en-US" sz="1200" dirty="0">
-                <a:latin typeface="Dosis" pitchFamily="2" charset="0"/>
-                <a:ea typeface="Comic Sans MS"/>
-                <a:cs typeface="Comic Sans MS"/>
-                <a:sym typeface="Comic Sans MS"/>
-              </a:rPr>
-              <a:t> </a:t>
-            </a:r>
-            <a:r>
-              <a:rPr lang="en-US" sz="1200" dirty="0" err="1">
-                <a:latin typeface="Dosis" pitchFamily="2" charset="0"/>
-                <a:ea typeface="Comic Sans MS"/>
-                <a:cs typeface="Comic Sans MS"/>
-                <a:sym typeface="Comic Sans MS"/>
-              </a:rPr>
-              <a:t>lebih</a:t>
-            </a:r>
-            <a:r>
-              <a:rPr lang="en-US" sz="1200" dirty="0">
-                <a:latin typeface="Dosis" pitchFamily="2" charset="0"/>
-                <a:ea typeface="Comic Sans MS"/>
-                <a:cs typeface="Comic Sans MS"/>
-                <a:sym typeface="Comic Sans MS"/>
-              </a:rPr>
-              <a:t> </a:t>
-            </a:r>
-            <a:r>
-              <a:rPr lang="en-US" sz="1200" dirty="0" err="1">
-                <a:latin typeface="Dosis" pitchFamily="2" charset="0"/>
-                <a:ea typeface="Comic Sans MS"/>
-                <a:cs typeface="Comic Sans MS"/>
-                <a:sym typeface="Comic Sans MS"/>
-              </a:rPr>
-              <a:t>lanjut</a:t>
-            </a:r>
-            <a:r>
-              <a:rPr lang="en-US" sz="1200" dirty="0">
-                <a:latin typeface="Dosis" pitchFamily="2" charset="0"/>
-                <a:ea typeface="Comic Sans MS"/>
-                <a:cs typeface="Comic Sans MS"/>
-                <a:sym typeface="Comic Sans MS"/>
-              </a:rPr>
-              <a:t>, </a:t>
-            </a:r>
-            <a:r>
-              <a:rPr lang="en-US" sz="1200" dirty="0" err="1">
-                <a:latin typeface="Dosis" pitchFamily="2" charset="0"/>
-                <a:ea typeface="Comic Sans MS"/>
-                <a:cs typeface="Comic Sans MS"/>
-                <a:sym typeface="Comic Sans MS"/>
-              </a:rPr>
-              <a:t>apakah</a:t>
-            </a:r>
-            <a:r>
-              <a:rPr lang="en-US" sz="1200" dirty="0">
-                <a:latin typeface="Dosis" pitchFamily="2" charset="0"/>
-                <a:ea typeface="Comic Sans MS"/>
-                <a:cs typeface="Comic Sans MS"/>
-                <a:sym typeface="Comic Sans MS"/>
-              </a:rPr>
-              <a:t> salah input </a:t>
-            </a:r>
-            <a:r>
-              <a:rPr lang="en-US" sz="1200" dirty="0" err="1">
-                <a:latin typeface="Dosis" pitchFamily="2" charset="0"/>
-                <a:ea typeface="Comic Sans MS"/>
-                <a:cs typeface="Comic Sans MS"/>
-                <a:sym typeface="Comic Sans MS"/>
-              </a:rPr>
-              <a:t>atau</a:t>
-            </a:r>
-            <a:r>
-              <a:rPr lang="en-US" sz="1200" dirty="0">
-                <a:latin typeface="Dosis" pitchFamily="2" charset="0"/>
-                <a:ea typeface="Comic Sans MS"/>
-                <a:cs typeface="Comic Sans MS"/>
-                <a:sym typeface="Comic Sans MS"/>
-              </a:rPr>
-              <a:t> </a:t>
-            </a:r>
-            <a:r>
-              <a:rPr lang="en-US" sz="1200" dirty="0" err="1">
-                <a:latin typeface="Dosis" pitchFamily="2" charset="0"/>
-                <a:ea typeface="Comic Sans MS"/>
-                <a:cs typeface="Comic Sans MS"/>
-                <a:sym typeface="Comic Sans MS"/>
-              </a:rPr>
-              <a:t>bukan</a:t>
-            </a:r>
-            <a:endParaRPr lang="en-US" sz="1200" dirty="0">
-              <a:latin typeface="Dosis" pitchFamily="2" charset="0"/>
-              <a:ea typeface="Comic Sans MS"/>
-              <a:cs typeface="Comic Sans MS"/>
-              <a:sym typeface="Comic Sans MS"/>
-            </a:endParaRPr>
-          </a:p>
-          <a:p>
-            <a:pPr marL="228600" lvl="0" indent="-228600" algn="l" rtl="0">
-              <a:spcBef>
-                <a:spcPts val="0"/>
-              </a:spcBef>
-              <a:spcAft>
-                <a:spcPts val="0"/>
-              </a:spcAft>
-              <a:buSzPts val="1100"/>
-              <a:buAutoNum type="arabicPeriod"/>
-            </a:pPr>
-            <a:r>
-              <a:rPr lang="en-US" sz="1200" dirty="0" err="1">
-                <a:latin typeface="Dosis" pitchFamily="2" charset="0"/>
-                <a:ea typeface="Comic Sans MS"/>
-                <a:cs typeface="Comic Sans MS"/>
-                <a:sym typeface="Comic Sans MS"/>
-              </a:rPr>
-              <a:t>Untuk</a:t>
+              <a:t>mencari</a:t>
             </a:r>
             <a:r>
               <a:rPr lang="en-US" sz="1200" dirty="0">
@@ -13779,7 +13656,7 @@
                 <a:cs typeface="Comic Sans MS"/>
                 <a:sym typeface="Comic Sans MS"/>
               </a:rPr>
-              <a:t>, </a:t>
+              <a:t> linear yang </a:t>
             </a:r>
             <a:r>
               <a:rPr lang="en-US" sz="1200" dirty="0" err="1">
@@ -13788,7 +13665,37 @@
                 <a:cs typeface="Comic Sans MS"/>
                 <a:sym typeface="Comic Sans MS"/>
               </a:rPr>
-              <a:t>jika</a:t>
+              <a:t>ada</a:t>
+            </a:r>
+            <a:r>
+              <a:rPr lang="en-US" sz="1200" dirty="0">
+                <a:latin typeface="Dosis" pitchFamily="2" charset="0"/>
+                <a:ea typeface="Comic Sans MS"/>
+                <a:cs typeface="Comic Sans MS"/>
+                <a:sym typeface="Comic Sans MS"/>
+              </a:rPr>
+              <a:t> di heatmap</a:t>
+            </a:r>
+          </a:p>
+          <a:p>
+            <a:pPr marL="228600" lvl="0" indent="-228600" algn="l" rtl="0">
+              <a:spcBef>
+                <a:spcPts val="0"/>
+              </a:spcBef>
+              <a:spcAft>
+                <a:spcPts val="0"/>
+              </a:spcAft>
+              <a:buSzPts val="1100"/>
+              <a:buAutoNum type="arabicPeriod"/>
+            </a:pPr>
+            <a:r>
+              <a:rPr lang="en-US" sz="1200" dirty="0" err="1">
+                <a:latin typeface="Dosis" pitchFamily="2" charset="0"/>
+                <a:ea typeface="Comic Sans MS"/>
+                <a:cs typeface="Comic Sans MS"/>
+                <a:sym typeface="Comic Sans MS"/>
+              </a:rPr>
+              <a:t>Kesulitan</a:t>
             </a:r>
             <a:r>
               <a:rPr lang="en-US" sz="1200" dirty="0">
@@ -13806,277 +13713,7 @@
                 <a:cs typeface="Comic Sans MS"/>
                 <a:sym typeface="Comic Sans MS"/>
               </a:rPr>
-              <a:t>menggunakan</a:t>
-            </a:r>
-            <a:r>
-              <a:rPr lang="en-US" sz="1200" dirty="0">
-                <a:latin typeface="Dosis" pitchFamily="2" charset="0"/>
-                <a:ea typeface="Comic Sans MS"/>
-                <a:cs typeface="Comic Sans MS"/>
-                <a:sym typeface="Comic Sans MS"/>
-              </a:rPr>
-              <a:t> heatmap </a:t>
-            </a:r>
-            <a:r>
-              <a:rPr lang="en-US" sz="1200" dirty="0" err="1">
-                <a:latin typeface="Dosis" pitchFamily="2" charset="0"/>
-                <a:ea typeface="Comic Sans MS"/>
-                <a:cs typeface="Comic Sans MS"/>
-                <a:sym typeface="Comic Sans MS"/>
-              </a:rPr>
-              <a:t>ternyata</a:t>
-            </a:r>
-            <a:r>
-              <a:rPr lang="en-US" sz="1200" dirty="0">
-                <a:latin typeface="Dosis" pitchFamily="2" charset="0"/>
-                <a:ea typeface="Comic Sans MS"/>
-                <a:cs typeface="Comic Sans MS"/>
-                <a:sym typeface="Comic Sans MS"/>
-              </a:rPr>
-              <a:t> </a:t>
-            </a:r>
-            <a:r>
-              <a:rPr lang="en-US" sz="1200" dirty="0" err="1">
-                <a:latin typeface="Dosis" pitchFamily="2" charset="0"/>
-                <a:ea typeface="Comic Sans MS"/>
-                <a:cs typeface="Comic Sans MS"/>
-                <a:sym typeface="Comic Sans MS"/>
-              </a:rPr>
-              <a:t>tidak</a:t>
-            </a:r>
-            <a:r>
-              <a:rPr lang="en-US" sz="1200" dirty="0">
-                <a:latin typeface="Dosis" pitchFamily="2" charset="0"/>
-                <a:ea typeface="Comic Sans MS"/>
-                <a:cs typeface="Comic Sans MS"/>
-                <a:sym typeface="Comic Sans MS"/>
-              </a:rPr>
-              <a:t> </a:t>
-            </a:r>
-            <a:r>
-              <a:rPr lang="en-US" sz="1200" dirty="0" err="1">
-                <a:latin typeface="Dosis" pitchFamily="2" charset="0"/>
-                <a:ea typeface="Comic Sans MS"/>
-                <a:cs typeface="Comic Sans MS"/>
-                <a:sym typeface="Comic Sans MS"/>
-              </a:rPr>
-              <a:t>ada</a:t>
-            </a:r>
-            <a:r>
-              <a:rPr lang="en-US" sz="1200" dirty="0">
-                <a:latin typeface="Dosis" pitchFamily="2" charset="0"/>
-                <a:ea typeface="Comic Sans MS"/>
-                <a:cs typeface="Comic Sans MS"/>
-                <a:sym typeface="Comic Sans MS"/>
-              </a:rPr>
-              <a:t> </a:t>
-            </a:r>
-            <a:r>
-              <a:rPr lang="en-US" sz="1200" dirty="0" err="1">
-                <a:latin typeface="Dosis" pitchFamily="2" charset="0"/>
-                <a:ea typeface="Comic Sans MS"/>
-                <a:cs typeface="Comic Sans MS"/>
-                <a:sym typeface="Comic Sans MS"/>
-              </a:rPr>
-              <a:t>hubungan</a:t>
-            </a:r>
-            <a:r>
-              <a:rPr lang="en-US" sz="1200" dirty="0">
-                <a:latin typeface="Dosis" pitchFamily="2" charset="0"/>
-                <a:ea typeface="Comic Sans MS"/>
-                <a:cs typeface="Comic Sans MS"/>
-                <a:sym typeface="Comic Sans MS"/>
-              </a:rPr>
-              <a:t> yang linier, </a:t>
-            </a:r>
-            <a:r>
-              <a:rPr lang="en-US" sz="1200" dirty="0" err="1">
-                <a:latin typeface="Dosis" pitchFamily="2" charset="0"/>
-                <a:ea typeface="Comic Sans MS"/>
-                <a:cs typeface="Comic Sans MS"/>
-                <a:sym typeface="Comic Sans MS"/>
-              </a:rPr>
-              <a:t>maka</a:t>
-            </a:r>
-            <a:r>
-              <a:rPr lang="en-US" sz="1200" dirty="0">
-                <a:latin typeface="Dosis" pitchFamily="2" charset="0"/>
-                <a:ea typeface="Comic Sans MS"/>
-                <a:cs typeface="Comic Sans MS"/>
-                <a:sym typeface="Comic Sans MS"/>
-              </a:rPr>
-              <a:t> </a:t>
-            </a:r>
-            <a:r>
-              <a:rPr lang="en-US" sz="1200" dirty="0" err="1">
-                <a:latin typeface="Dosis" pitchFamily="2" charset="0"/>
-                <a:ea typeface="Comic Sans MS"/>
-                <a:cs typeface="Comic Sans MS"/>
-                <a:sym typeface="Comic Sans MS"/>
-              </a:rPr>
-              <a:t>perlu</a:t>
-            </a:r>
-            <a:r>
-              <a:rPr lang="en-US" sz="1200" dirty="0">
-                <a:latin typeface="Dosis" pitchFamily="2" charset="0"/>
-                <a:ea typeface="Comic Sans MS"/>
-                <a:cs typeface="Comic Sans MS"/>
-                <a:sym typeface="Comic Sans MS"/>
-              </a:rPr>
-              <a:t> </a:t>
-            </a:r>
-            <a:r>
-              <a:rPr lang="en-US" sz="1200" dirty="0" err="1">
-                <a:latin typeface="Dosis" pitchFamily="2" charset="0"/>
-                <a:ea typeface="Comic Sans MS"/>
-                <a:cs typeface="Comic Sans MS"/>
-                <a:sym typeface="Comic Sans MS"/>
-              </a:rPr>
-              <a:t>dicari</a:t>
-            </a:r>
-            <a:r>
-              <a:rPr lang="en-US" sz="1200" dirty="0">
-                <a:latin typeface="Dosis" pitchFamily="2" charset="0"/>
-                <a:ea typeface="Comic Sans MS"/>
-                <a:cs typeface="Comic Sans MS"/>
-                <a:sym typeface="Comic Sans MS"/>
-              </a:rPr>
-              <a:t> </a:t>
-            </a:r>
-            <a:r>
-              <a:rPr lang="en-US" sz="1200" dirty="0" err="1">
-                <a:latin typeface="Dosis" pitchFamily="2" charset="0"/>
-                <a:ea typeface="Comic Sans MS"/>
-                <a:cs typeface="Comic Sans MS"/>
-                <a:sym typeface="Comic Sans MS"/>
-              </a:rPr>
-              <a:t>dengan</a:t>
-            </a:r>
-            <a:r>
-              <a:rPr lang="en-US" sz="1200" dirty="0">
-                <a:latin typeface="Dosis" pitchFamily="2" charset="0"/>
-                <a:ea typeface="Comic Sans MS"/>
-                <a:cs typeface="Comic Sans MS"/>
-                <a:sym typeface="Comic Sans MS"/>
-              </a:rPr>
-              <a:t> </a:t>
-            </a:r>
-            <a:r>
-              <a:rPr lang="en-US" sz="1200" dirty="0" err="1">
-                <a:latin typeface="Dosis" pitchFamily="2" charset="0"/>
-                <a:ea typeface="Comic Sans MS"/>
-                <a:cs typeface="Comic Sans MS"/>
-                <a:sym typeface="Comic Sans MS"/>
-              </a:rPr>
-              <a:t>menggunakan</a:t>
-            </a:r>
-            <a:r>
-              <a:rPr lang="en-US" sz="1200" dirty="0">
-                <a:latin typeface="Dosis" pitchFamily="2" charset="0"/>
-                <a:ea typeface="Comic Sans MS"/>
-                <a:cs typeface="Comic Sans MS"/>
-                <a:sym typeface="Comic Sans MS"/>
-              </a:rPr>
-              <a:t> </a:t>
-            </a:r>
-            <a:r>
-              <a:rPr lang="en-US" sz="1200" dirty="0" err="1">
-                <a:latin typeface="Dosis" pitchFamily="2" charset="0"/>
-                <a:ea typeface="Comic Sans MS"/>
-                <a:cs typeface="Comic Sans MS"/>
-                <a:sym typeface="Comic Sans MS"/>
-              </a:rPr>
-              <a:t>alternatif</a:t>
-            </a:r>
-            <a:r>
-              <a:rPr lang="en-US" sz="1200" dirty="0">
-                <a:latin typeface="Dosis" pitchFamily="2" charset="0"/>
-                <a:ea typeface="Comic Sans MS"/>
-                <a:cs typeface="Comic Sans MS"/>
-                <a:sym typeface="Comic Sans MS"/>
-              </a:rPr>
-              <a:t> </a:t>
-            </a:r>
-            <a:r>
-              <a:rPr lang="en-US" sz="1200" dirty="0" err="1">
-                <a:latin typeface="Dosis" pitchFamily="2" charset="0"/>
-                <a:ea typeface="Comic Sans MS"/>
-                <a:cs typeface="Comic Sans MS"/>
-                <a:sym typeface="Comic Sans MS"/>
-              </a:rPr>
-              <a:t>lainnya</a:t>
-            </a:r>
-            <a:endParaRPr lang="en-US" sz="1200" dirty="0">
-              <a:latin typeface="Dosis" pitchFamily="2" charset="0"/>
-              <a:ea typeface="Comic Sans MS"/>
-              <a:cs typeface="Comic Sans MS"/>
-              <a:sym typeface="Comic Sans MS"/>
-            </a:endParaRPr>
-          </a:p>
-          <a:p>
-            <a:pPr marL="228600" lvl="0" indent="-228600" algn="l" rtl="0">
-              <a:spcBef>
-                <a:spcPts val="0"/>
-              </a:spcBef>
-              <a:spcAft>
-                <a:spcPts val="0"/>
-              </a:spcAft>
-              <a:buSzPts val="1100"/>
-              <a:buAutoNum type="arabicPeriod"/>
-            </a:pPr>
-            <a:r>
-              <a:rPr lang="en-US" sz="1200" dirty="0">
-                <a:latin typeface="Dosis" pitchFamily="2" charset="0"/>
-                <a:ea typeface="Comic Sans MS"/>
-                <a:cs typeface="Comic Sans MS"/>
-                <a:sym typeface="Comic Sans MS"/>
-              </a:rPr>
-              <a:t>Jika </a:t>
-            </a:r>
-            <a:r>
-              <a:rPr lang="en-US" sz="1200" dirty="0" err="1">
-                <a:latin typeface="Dosis" pitchFamily="2" charset="0"/>
-                <a:ea typeface="Comic Sans MS"/>
-                <a:cs typeface="Comic Sans MS"/>
-                <a:sym typeface="Comic Sans MS"/>
-              </a:rPr>
-              <a:t>untuk</a:t>
-            </a:r>
-            <a:r>
-              <a:rPr lang="en-US" sz="1200" dirty="0">
-                <a:latin typeface="Dosis" pitchFamily="2" charset="0"/>
-                <a:ea typeface="Comic Sans MS"/>
-                <a:cs typeface="Comic Sans MS"/>
-                <a:sym typeface="Comic Sans MS"/>
-              </a:rPr>
-              <a:t> </a:t>
-            </a:r>
-            <a:r>
-              <a:rPr lang="en-US" sz="1200" dirty="0" err="1">
-                <a:latin typeface="Dosis" pitchFamily="2" charset="0"/>
-                <a:ea typeface="Comic Sans MS"/>
-                <a:cs typeface="Comic Sans MS"/>
-                <a:sym typeface="Comic Sans MS"/>
-              </a:rPr>
-              <a:t>mencari</a:t>
-            </a:r>
-            <a:r>
-              <a:rPr lang="en-US" sz="1200" dirty="0">
-                <a:latin typeface="Dosis" pitchFamily="2" charset="0"/>
-                <a:ea typeface="Comic Sans MS"/>
-                <a:cs typeface="Comic Sans MS"/>
-                <a:sym typeface="Comic Sans MS"/>
-              </a:rPr>
-              <a:t> insight </a:t>
-            </a:r>
-            <a:r>
-              <a:rPr lang="en-US" sz="1200" dirty="0" err="1">
-                <a:latin typeface="Dosis" pitchFamily="2" charset="0"/>
-                <a:ea typeface="Comic Sans MS"/>
-                <a:cs typeface="Comic Sans MS"/>
-                <a:sym typeface="Comic Sans MS"/>
-              </a:rPr>
-              <a:t>dengan</a:t>
+              <a:t>dalam</a:t>
             </a:r>
             <a:r>
               <a:rPr lang="en-US" sz="1200" dirty="0">
@@ -14103,7 +13740,7 @@
                 <a:cs typeface="Comic Sans MS"/>
                 <a:sym typeface="Comic Sans MS"/>
               </a:rPr>
-              <a:t> </a:t>
+              <a:t> data </a:t>
             </a:r>
             <a:r>
               <a:rPr lang="en-US" sz="1200" dirty="0" err="1">
@@ -14113,105 +13750,6 @@
                 <a:sym typeface="Comic Sans MS"/>
               </a:rPr>
               <a:t>frekuensi</a:t>
-            </a:r>
-            <a:r>
-              <a:rPr lang="en-US" sz="1200" dirty="0">
-                <a:latin typeface="Dosis" pitchFamily="2" charset="0"/>
-                <a:ea typeface="Comic Sans MS"/>
-                <a:cs typeface="Comic Sans MS"/>
-                <a:sym typeface="Comic Sans MS"/>
-              </a:rPr>
-              <a:t> </a:t>
-            </a:r>
-            <a:r>
-              <a:rPr lang="en-US" sz="1200" dirty="0" err="1">
-                <a:latin typeface="Dosis" pitchFamily="2" charset="0"/>
-                <a:ea typeface="Comic Sans MS"/>
-                <a:cs typeface="Comic Sans MS"/>
-                <a:sym typeface="Comic Sans MS"/>
-              </a:rPr>
-              <a:t>terlalu</a:t>
-            </a:r>
-            <a:r>
-              <a:rPr lang="en-US" sz="1200" dirty="0">
-                <a:latin typeface="Dosis" pitchFamily="2" charset="0"/>
-                <a:ea typeface="Comic Sans MS"/>
-                <a:cs typeface="Comic Sans MS"/>
-                <a:sym typeface="Comic Sans MS"/>
-              </a:rPr>
-              <a:t> </a:t>
-            </a:r>
-            <a:r>
-              <a:rPr lang="en-US" sz="1200" dirty="0" err="1">
-                <a:latin typeface="Dosis" pitchFamily="2" charset="0"/>
-                <a:ea typeface="Comic Sans MS"/>
-                <a:cs typeface="Comic Sans MS"/>
-                <a:sym typeface="Comic Sans MS"/>
-              </a:rPr>
-              <a:t>susah</a:t>
-            </a:r>
-            <a:r>
-              <a:rPr lang="en-US" sz="1200" dirty="0">
-                <a:latin typeface="Dosis" pitchFamily="2" charset="0"/>
-                <a:ea typeface="Comic Sans MS"/>
-                <a:cs typeface="Comic Sans MS"/>
-                <a:sym typeface="Comic Sans MS"/>
-              </a:rPr>
-              <a:t>, </a:t>
-            </a:r>
-            <a:r>
-              <a:rPr lang="en-US" sz="1200" dirty="0" err="1">
-                <a:latin typeface="Dosis" pitchFamily="2" charset="0"/>
-                <a:ea typeface="Comic Sans MS"/>
-                <a:cs typeface="Comic Sans MS"/>
-                <a:sym typeface="Comic Sans MS"/>
-              </a:rPr>
-              <a:t>bisa</a:t>
-            </a:r>
-            <a:r>
-              <a:rPr lang="en-US" sz="1200" dirty="0">
-                <a:latin typeface="Dosis" pitchFamily="2" charset="0"/>
-                <a:ea typeface="Comic Sans MS"/>
-                <a:cs typeface="Comic Sans MS"/>
-                <a:sym typeface="Comic Sans MS"/>
-              </a:rPr>
-              <a:t> </a:t>
-            </a:r>
-            <a:r>
-              <a:rPr lang="en-US" sz="1200" dirty="0" err="1">
-                <a:latin typeface="Dosis" pitchFamily="2" charset="0"/>
-                <a:ea typeface="Comic Sans MS"/>
-                <a:cs typeface="Comic Sans MS"/>
-                <a:sym typeface="Comic Sans MS"/>
-              </a:rPr>
-              <a:t>dengan</a:t>
-            </a:r>
-            <a:r>
-              <a:rPr lang="en-US" sz="1200" dirty="0">
-                <a:latin typeface="Dosis" pitchFamily="2" charset="0"/>
-                <a:ea typeface="Comic Sans MS"/>
-                <a:cs typeface="Comic Sans MS"/>
-                <a:sym typeface="Comic Sans MS"/>
-              </a:rPr>
-              <a:t> </a:t>
-            </a:r>
-            <a:r>
-              <a:rPr lang="en-US" sz="1200" dirty="0" err="1">
-                <a:latin typeface="Dosis" pitchFamily="2" charset="0"/>
-                <a:ea typeface="Comic Sans MS"/>
-                <a:cs typeface="Comic Sans MS"/>
-                <a:sym typeface="Comic Sans MS"/>
-              </a:rPr>
-              <a:t>menggunakan</a:t>
-            </a:r>
-            <a:r>
-              <a:rPr lang="en-US" sz="1200">
-                <a:latin typeface="Dosis" pitchFamily="2" charset="0"/>
-                <a:ea typeface="Comic Sans MS"/>
-                <a:cs typeface="Comic Sans MS"/>
-                <a:sym typeface="Comic Sans MS"/>
-              </a:rPr>
-              <a:t> pie chart</a:t>
             </a:r>
             <a:endParaRPr sz="1200" dirty="0">
               <a:latin typeface="Dosis" pitchFamily="2" charset="0"/>
@@ -14328,7 +13866,7 @@
               <a:buNone/>
             </a:pPr>
             <a:r>
-              <a:rPr lang="en-US" sz="1200" b="1">
+              <a:rPr lang="en-US" sz="1200" b="1" dirty="0" err="1">
                 <a:solidFill>
                   <a:schemeClr val="dk1"/>
                 </a:solidFill>
@@ -14337,9 +13875,45 @@
                 <a:cs typeface="Dosis"/>
                 <a:sym typeface="Dosis"/>
               </a:rPr>
-              <a:t>Tindak Lanjut:</a:t>
+              <a:t>Tindak</a:t>
             </a:r>
-            <a:endParaRPr sz="1200" b="1">
+            <a:r>
+              <a:rPr lang="en-US" sz="1200" b="1" dirty="0">
+                <a:solidFill>
+                  <a:schemeClr val="dk1"/>
+                </a:solidFill>
+                <a:latin typeface="Dosis"/>
+                <a:ea typeface="Dosis"/>
+                <a:cs typeface="Dosis"/>
+                <a:sym typeface="Dosis"/>
+              </a:rPr>
+              <a:t> </a:t>
+            </a:r>
+            <a:r>
+              <a:rPr lang="en-US" sz="1200" b="1" dirty="0" err="1">
+                <a:solidFill>
+                  <a:schemeClr val="dk1"/>
+                </a:solidFill>
+                <a:latin typeface="Dosis"/>
+                <a:ea typeface="Dosis"/>
+                <a:cs typeface="Dosis"/>
+                <a:sym typeface="Dosis"/>
+              </a:rPr>
+              <a:t>Lanjut</a:t>
+            </a:r>
+            <a:r>
+              <a:rPr lang="en-US" sz="1200" b="1" dirty="0">
+                <a:solidFill>
+                  <a:schemeClr val="dk1"/>
+                </a:solidFill>
+                <a:latin typeface="Dosis"/>
+                <a:ea typeface="Dosis"/>
+                <a:cs typeface="Dosis"/>
+                <a:sym typeface="Dosis"/>
+              </a:rPr>
+              <a:t>:</a:t>
+            </a:r>
+            <a:endParaRPr sz="1200" b="1" dirty="0">
               <a:solidFill>
                 <a:schemeClr val="dk1"/>
               </a:solidFill>
@@ -14350,6 +13924,1452 @@
             </a:endParaRPr>
           </a:p>
           <a:p>
+            <a:pPr marL="228600" marR="0" lvl="0" indent="-228600" algn="l" defTabSz="914400" rtl="0" eaLnBrk="1" fontAlgn="auto" latinLnBrk="0" hangingPunct="1">
+              <a:lnSpc>
+                <a:spcPct val="100000"/>
+              </a:lnSpc>
+              <a:spcBef>
+                <a:spcPts val="0"/>
+              </a:spcBef>
+              <a:spcAft>
+                <a:spcPts val="0"/>
+              </a:spcAft>
+              <a:buClr>
+                <a:srgbClr val="000000"/>
+              </a:buClr>
+              <a:buSzPts val="1100"/>
+              <a:buFont typeface="Arial"/>
+              <a:buAutoNum type="arabicPeriod"/>
+              <a:tabLst/>
+              <a:defRPr/>
+            </a:pPr>
+            <a:r>
+              <a:rPr kumimoji="0" lang="en-US" sz="1200" b="0" i="0" u="none" strike="noStrike" kern="0" cap="none" spc="0" normalizeH="0" baseline="0" noProof="0" dirty="0">
+                <a:ln>
+                  <a:noFill/>
+                </a:ln>
+                <a:solidFill>
+                  <a:srgbClr val="000000"/>
+                </a:solidFill>
+                <a:effectLst/>
+                <a:uLnTx/>
+                <a:uFillTx/>
+                <a:latin typeface="Dosis" pitchFamily="2" charset="0"/>
+                <a:ea typeface="Comic Sans MS"/>
+                <a:cs typeface="Comic Sans MS"/>
+                <a:sym typeface="Comic Sans MS"/>
+              </a:rPr>
+              <a:t>Convert value 0,5,6 pada </a:t>
+            </a:r>
+            <a:r>
+              <a:rPr kumimoji="0" lang="en-US" sz="1200" b="0" i="0" u="none" strike="noStrike" kern="0" cap="none" spc="0" normalizeH="0" baseline="0" noProof="0" dirty="0" err="1">
+                <a:ln>
+                  <a:noFill/>
+                </a:ln>
+                <a:solidFill>
+                  <a:srgbClr val="000000"/>
+                </a:solidFill>
+                <a:effectLst/>
+                <a:uLnTx/>
+                <a:uFillTx/>
+                <a:latin typeface="Dosis" pitchFamily="2" charset="0"/>
+                <a:ea typeface="Comic Sans MS"/>
+                <a:cs typeface="Comic Sans MS"/>
+                <a:sym typeface="Comic Sans MS"/>
+              </a:rPr>
+              <a:t>kolom</a:t>
+            </a:r>
+            <a:r>
+              <a:rPr kumimoji="0" lang="en-US" sz="1200" b="0" i="0" u="none" strike="noStrike" kern="0" cap="none" spc="0" normalizeH="0" baseline="0" noProof="0" dirty="0">
+                <a:ln>
+                  <a:noFill/>
+                </a:ln>
+                <a:solidFill>
+                  <a:srgbClr val="000000"/>
+                </a:solidFill>
+                <a:effectLst/>
+                <a:uLnTx/>
+                <a:uFillTx/>
+                <a:latin typeface="Dosis" pitchFamily="2" charset="0"/>
+                <a:ea typeface="Comic Sans MS"/>
+                <a:cs typeface="Comic Sans MS"/>
+                <a:sym typeface="Comic Sans MS"/>
+              </a:rPr>
+              <a:t> Education dan value  pada </a:t>
+            </a:r>
+            <a:r>
+              <a:rPr kumimoji="0" lang="en-US" sz="1200" b="0" i="0" u="none" strike="noStrike" kern="0" cap="none" spc="0" normalizeH="0" baseline="0" noProof="0" dirty="0" err="1">
+                <a:ln>
+                  <a:noFill/>
+                </a:ln>
+                <a:solidFill>
+                  <a:srgbClr val="000000"/>
+                </a:solidFill>
+                <a:effectLst/>
+                <a:uLnTx/>
+                <a:uFillTx/>
+                <a:latin typeface="Dosis" pitchFamily="2" charset="0"/>
+                <a:ea typeface="Comic Sans MS"/>
+                <a:cs typeface="Comic Sans MS"/>
+                <a:sym typeface="Comic Sans MS"/>
+              </a:rPr>
+              <a:t>kolom</a:t>
+            </a:r>
+            <a:r>
+              <a:rPr kumimoji="0" lang="en-US" sz="1200" b="0" i="0" u="none" strike="noStrike" kern="0" cap="none" spc="0" normalizeH="0" baseline="0" noProof="0" dirty="0">
+                <a:ln>
+                  <a:noFill/>
+                </a:ln>
+                <a:solidFill>
+                  <a:srgbClr val="000000"/>
+                </a:solidFill>
+                <a:effectLst/>
+                <a:uLnTx/>
+                <a:uFillTx/>
+                <a:latin typeface="Dosis" pitchFamily="2" charset="0"/>
+                <a:ea typeface="Comic Sans MS"/>
+                <a:cs typeface="Comic Sans MS"/>
+                <a:sym typeface="Comic Sans MS"/>
+              </a:rPr>
+              <a:t>  Marriage </a:t>
+            </a:r>
+            <a:r>
+              <a:rPr kumimoji="0" lang="en-US" sz="1200" b="0" i="0" u="none" strike="noStrike" kern="0" cap="none" spc="0" normalizeH="0" baseline="0" noProof="0" dirty="0" err="1">
+                <a:ln>
+                  <a:noFill/>
+                </a:ln>
+                <a:solidFill>
+                  <a:srgbClr val="000000"/>
+                </a:solidFill>
+                <a:effectLst/>
+                <a:uLnTx/>
+                <a:uFillTx/>
+                <a:latin typeface="Dosis" pitchFamily="2" charset="0"/>
+                <a:ea typeface="Comic Sans MS"/>
+                <a:cs typeface="Comic Sans MS"/>
+                <a:sym typeface="Comic Sans MS"/>
+              </a:rPr>
+              <a:t>menjadi</a:t>
+            </a:r>
+            <a:r>
+              <a:rPr kumimoji="0" lang="en-US" sz="1200" b="0" i="0" u="none" strike="noStrike" kern="0" cap="none" spc="0" normalizeH="0" baseline="0" noProof="0" dirty="0">
+                <a:ln>
+                  <a:noFill/>
+                </a:ln>
+                <a:solidFill>
+                  <a:srgbClr val="000000"/>
+                </a:solidFill>
+                <a:effectLst/>
+                <a:uLnTx/>
+                <a:uFillTx/>
+                <a:latin typeface="Dosis" pitchFamily="2" charset="0"/>
+                <a:ea typeface="Comic Sans MS"/>
+                <a:cs typeface="Comic Sans MS"/>
+                <a:sym typeface="Comic Sans MS"/>
+              </a:rPr>
+              <a:t> others</a:t>
+            </a:r>
+          </a:p>
+          <a:p>
+            <a:pPr marL="228600" marR="0" lvl="0" indent="-228600" algn="l" defTabSz="914400" rtl="0" eaLnBrk="1" fontAlgn="auto" latinLnBrk="0" hangingPunct="1">
+              <a:lnSpc>
+                <a:spcPct val="100000"/>
+              </a:lnSpc>
+              <a:spcBef>
+                <a:spcPts val="0"/>
+              </a:spcBef>
+              <a:spcAft>
+                <a:spcPts val="0"/>
+              </a:spcAft>
+              <a:buClr>
+                <a:srgbClr val="000000"/>
+              </a:buClr>
+              <a:buSzPts val="1100"/>
+              <a:buFont typeface="Arial"/>
+              <a:buAutoNum type="arabicPeriod"/>
+              <a:tabLst/>
+              <a:defRPr/>
+            </a:pPr>
+            <a:r>
+              <a:rPr kumimoji="0" lang="en-US" sz="1200" b="0" i="0" u="none" strike="noStrike" kern="0" cap="none" spc="0" normalizeH="0" baseline="0" noProof="0" dirty="0" err="1">
+                <a:ln>
+                  <a:noFill/>
+                </a:ln>
+                <a:solidFill>
+                  <a:srgbClr val="000000"/>
+                </a:solidFill>
+                <a:effectLst/>
+                <a:uLnTx/>
+                <a:uFillTx/>
+                <a:latin typeface="Dosis" pitchFamily="2" charset="0"/>
+                <a:ea typeface="Comic Sans MS"/>
+                <a:cs typeface="Comic Sans MS"/>
+                <a:sym typeface="Comic Sans MS"/>
+              </a:rPr>
+              <a:t>Untuk</a:t>
+            </a:r>
+            <a:r>
+              <a:rPr kumimoji="0" lang="en-US" sz="1200" b="0" i="0" u="none" strike="noStrike" kern="0" cap="none" spc="0" normalizeH="0" baseline="0" noProof="0" dirty="0">
+                <a:ln>
+                  <a:noFill/>
+                </a:ln>
+                <a:solidFill>
+                  <a:srgbClr val="000000"/>
+                </a:solidFill>
+                <a:effectLst/>
+                <a:uLnTx/>
+                <a:uFillTx/>
+                <a:latin typeface="Dosis" pitchFamily="2" charset="0"/>
+                <a:ea typeface="Comic Sans MS"/>
+                <a:cs typeface="Comic Sans MS"/>
+                <a:sym typeface="Comic Sans MS"/>
+              </a:rPr>
+              <a:t> value negative pada </a:t>
+            </a:r>
+            <a:r>
+              <a:rPr kumimoji="0" lang="en-US" sz="1200" b="0" i="0" u="none" strike="noStrike" kern="0" cap="none" spc="0" normalizeH="0" baseline="0" noProof="0" dirty="0" err="1">
+                <a:ln>
+                  <a:noFill/>
+                </a:ln>
+                <a:solidFill>
+                  <a:srgbClr val="000000"/>
+                </a:solidFill>
+                <a:effectLst/>
+                <a:uLnTx/>
+                <a:uFillTx/>
+                <a:latin typeface="Dosis" pitchFamily="2" charset="0"/>
+                <a:ea typeface="Comic Sans MS"/>
+                <a:cs typeface="Comic Sans MS"/>
+                <a:sym typeface="Comic Sans MS"/>
+              </a:rPr>
+              <a:t>kolom</a:t>
+            </a:r>
+            <a:r>
+              <a:rPr kumimoji="0" lang="en-US" sz="1200" b="0" i="0" u="none" strike="noStrike" kern="0" cap="none" spc="0" normalizeH="0" baseline="0" noProof="0" dirty="0">
+                <a:ln>
+                  <a:noFill/>
+                </a:ln>
+                <a:solidFill>
+                  <a:srgbClr val="000000"/>
+                </a:solidFill>
+                <a:effectLst/>
+                <a:uLnTx/>
+                <a:uFillTx/>
+                <a:latin typeface="Dosis" pitchFamily="2" charset="0"/>
+                <a:ea typeface="Comic Sans MS"/>
+                <a:cs typeface="Comic Sans MS"/>
+                <a:sym typeface="Comic Sans MS"/>
+              </a:rPr>
+              <a:t> Bill Amount </a:t>
+            </a:r>
+            <a:r>
+              <a:rPr kumimoji="0" lang="en-US" sz="1200" b="0" i="0" u="none" strike="noStrike" kern="0" cap="none" spc="0" normalizeH="0" baseline="0" noProof="0" dirty="0" err="1">
+                <a:ln>
+                  <a:noFill/>
+                </a:ln>
+                <a:solidFill>
+                  <a:srgbClr val="000000"/>
+                </a:solidFill>
+                <a:effectLst/>
+                <a:uLnTx/>
+                <a:uFillTx/>
+                <a:latin typeface="Dosis" pitchFamily="2" charset="0"/>
+                <a:ea typeface="Comic Sans MS"/>
+                <a:cs typeface="Comic Sans MS"/>
+                <a:sym typeface="Comic Sans MS"/>
+              </a:rPr>
+              <a:t>dicari</a:t>
+            </a:r>
+            <a:r>
+              <a:rPr kumimoji="0" lang="en-US" sz="1200" b="0" i="0" u="none" strike="noStrike" kern="0" cap="none" spc="0" normalizeH="0" baseline="0" noProof="0" dirty="0">
+                <a:ln>
+                  <a:noFill/>
+                </a:ln>
+                <a:solidFill>
+                  <a:srgbClr val="000000"/>
+                </a:solidFill>
+                <a:effectLst/>
+                <a:uLnTx/>
+                <a:uFillTx/>
+                <a:latin typeface="Dosis" pitchFamily="2" charset="0"/>
+                <a:ea typeface="Comic Sans MS"/>
+                <a:cs typeface="Comic Sans MS"/>
+                <a:sym typeface="Comic Sans MS"/>
+              </a:rPr>
+              <a:t> </a:t>
+            </a:r>
+            <a:r>
+              <a:rPr kumimoji="0" lang="en-US" sz="1200" b="0" i="0" u="none" strike="noStrike" kern="0" cap="none" spc="0" normalizeH="0" baseline="0" noProof="0" dirty="0" err="1">
+                <a:ln>
+                  <a:noFill/>
+                </a:ln>
+                <a:solidFill>
+                  <a:srgbClr val="000000"/>
+                </a:solidFill>
+                <a:effectLst/>
+                <a:uLnTx/>
+                <a:uFillTx/>
+                <a:latin typeface="Dosis" pitchFamily="2" charset="0"/>
+                <a:ea typeface="Comic Sans MS"/>
+                <a:cs typeface="Comic Sans MS"/>
+                <a:sym typeface="Comic Sans MS"/>
+              </a:rPr>
+              <a:t>tahu</a:t>
+            </a:r>
+            <a:r>
+              <a:rPr kumimoji="0" lang="en-US" sz="1200" b="0" i="0" u="none" strike="noStrike" kern="0" cap="none" spc="0" normalizeH="0" baseline="0" noProof="0" dirty="0">
+                <a:ln>
+                  <a:noFill/>
+                </a:ln>
+                <a:solidFill>
+                  <a:srgbClr val="000000"/>
+                </a:solidFill>
+                <a:effectLst/>
+                <a:uLnTx/>
+                <a:uFillTx/>
+                <a:latin typeface="Dosis" pitchFamily="2" charset="0"/>
+                <a:ea typeface="Comic Sans MS"/>
+                <a:cs typeface="Comic Sans MS"/>
+                <a:sym typeface="Comic Sans MS"/>
+              </a:rPr>
+              <a:t> </a:t>
+            </a:r>
+            <a:r>
+              <a:rPr kumimoji="0" lang="en-US" sz="1200" b="0" i="0" u="none" strike="noStrike" kern="0" cap="none" spc="0" normalizeH="0" baseline="0" noProof="0" dirty="0" err="1">
+                <a:ln>
+                  <a:noFill/>
+                </a:ln>
+                <a:solidFill>
+                  <a:srgbClr val="000000"/>
+                </a:solidFill>
+                <a:effectLst/>
+                <a:uLnTx/>
+                <a:uFillTx/>
+                <a:latin typeface="Dosis" pitchFamily="2" charset="0"/>
+                <a:ea typeface="Comic Sans MS"/>
+                <a:cs typeface="Comic Sans MS"/>
+                <a:sym typeface="Comic Sans MS"/>
+              </a:rPr>
+              <a:t>lebih</a:t>
+            </a:r>
+            <a:r>
+              <a:rPr kumimoji="0" lang="en-US" sz="1200" b="0" i="0" u="none" strike="noStrike" kern="0" cap="none" spc="0" normalizeH="0" baseline="0" noProof="0" dirty="0">
+                <a:ln>
+                  <a:noFill/>
+                </a:ln>
+                <a:solidFill>
+                  <a:srgbClr val="000000"/>
+                </a:solidFill>
+                <a:effectLst/>
+                <a:uLnTx/>
+                <a:uFillTx/>
+                <a:latin typeface="Dosis" pitchFamily="2" charset="0"/>
+                <a:ea typeface="Comic Sans MS"/>
+                <a:cs typeface="Comic Sans MS"/>
+                <a:sym typeface="Comic Sans MS"/>
+              </a:rPr>
+              <a:t> </a:t>
+            </a:r>
+            <a:r>
+              <a:rPr kumimoji="0" lang="en-US" sz="1200" b="0" i="0" u="none" strike="noStrike" kern="0" cap="none" spc="0" normalizeH="0" baseline="0" noProof="0" dirty="0" err="1">
+                <a:ln>
+                  <a:noFill/>
+                </a:ln>
+                <a:solidFill>
+                  <a:srgbClr val="000000"/>
+                </a:solidFill>
+                <a:effectLst/>
+                <a:uLnTx/>
+                <a:uFillTx/>
+                <a:latin typeface="Dosis" pitchFamily="2" charset="0"/>
+                <a:ea typeface="Comic Sans MS"/>
+                <a:cs typeface="Comic Sans MS"/>
+                <a:sym typeface="Comic Sans MS"/>
+              </a:rPr>
+              <a:t>lanjut</a:t>
+            </a:r>
+            <a:r>
+              <a:rPr kumimoji="0" lang="en-US" sz="1200" b="0" i="0" u="none" strike="noStrike" kern="0" cap="none" spc="0" normalizeH="0" baseline="0" noProof="0" dirty="0">
+                <a:ln>
+                  <a:noFill/>
+                </a:ln>
+                <a:solidFill>
+                  <a:srgbClr val="000000"/>
+                </a:solidFill>
+                <a:effectLst/>
+                <a:uLnTx/>
+                <a:uFillTx/>
+                <a:latin typeface="Dosis" pitchFamily="2" charset="0"/>
+                <a:ea typeface="Comic Sans MS"/>
+                <a:cs typeface="Comic Sans MS"/>
+                <a:sym typeface="Comic Sans MS"/>
+              </a:rPr>
+              <a:t>, </a:t>
+            </a:r>
+            <a:r>
+              <a:rPr kumimoji="0" lang="en-US" sz="1200" b="0" i="0" u="none" strike="noStrike" kern="0" cap="none" spc="0" normalizeH="0" baseline="0" noProof="0" dirty="0" err="1">
+                <a:ln>
+                  <a:noFill/>
+                </a:ln>
+                <a:solidFill>
+                  <a:srgbClr val="000000"/>
+                </a:solidFill>
+                <a:effectLst/>
+                <a:uLnTx/>
+                <a:uFillTx/>
+                <a:latin typeface="Dosis" pitchFamily="2" charset="0"/>
+                <a:ea typeface="Comic Sans MS"/>
+                <a:cs typeface="Comic Sans MS"/>
+                <a:sym typeface="Comic Sans MS"/>
+              </a:rPr>
+              <a:t>apakah</a:t>
+            </a:r>
+            <a:r>
+              <a:rPr kumimoji="0" lang="en-US" sz="1200" b="0" i="0" u="none" strike="noStrike" kern="0" cap="none" spc="0" normalizeH="0" baseline="0" noProof="0" dirty="0">
+                <a:ln>
+                  <a:noFill/>
+                </a:ln>
+                <a:solidFill>
+                  <a:srgbClr val="000000"/>
+                </a:solidFill>
+                <a:effectLst/>
+                <a:uLnTx/>
+                <a:uFillTx/>
+                <a:latin typeface="Dosis" pitchFamily="2" charset="0"/>
+                <a:ea typeface="Comic Sans MS"/>
+                <a:cs typeface="Comic Sans MS"/>
+                <a:sym typeface="Comic Sans MS"/>
+              </a:rPr>
+              <a:t> salah input </a:t>
+            </a:r>
+            <a:r>
+              <a:rPr kumimoji="0" lang="en-US" sz="1200" b="0" i="0" u="none" strike="noStrike" kern="0" cap="none" spc="0" normalizeH="0" baseline="0" noProof="0" dirty="0" err="1">
+                <a:ln>
+                  <a:noFill/>
+                </a:ln>
+                <a:solidFill>
+                  <a:srgbClr val="000000"/>
+                </a:solidFill>
+                <a:effectLst/>
+                <a:uLnTx/>
+                <a:uFillTx/>
+                <a:latin typeface="Dosis" pitchFamily="2" charset="0"/>
+                <a:ea typeface="Comic Sans MS"/>
+                <a:cs typeface="Comic Sans MS"/>
+                <a:sym typeface="Comic Sans MS"/>
+              </a:rPr>
+              <a:t>atau</a:t>
+            </a:r>
+            <a:r>
+              <a:rPr kumimoji="0" lang="en-US" sz="1200" b="0" i="0" u="none" strike="noStrike" kern="0" cap="none" spc="0" normalizeH="0" baseline="0" noProof="0" dirty="0">
+                <a:ln>
+                  <a:noFill/>
+                </a:ln>
+                <a:solidFill>
+                  <a:srgbClr val="000000"/>
+                </a:solidFill>
+                <a:effectLst/>
+                <a:uLnTx/>
+                <a:uFillTx/>
+                <a:latin typeface="Dosis" pitchFamily="2" charset="0"/>
+                <a:ea typeface="Comic Sans MS"/>
+                <a:cs typeface="Comic Sans MS"/>
+                <a:sym typeface="Comic Sans MS"/>
+              </a:rPr>
+              <a:t> </a:t>
+            </a:r>
+            <a:r>
+              <a:rPr kumimoji="0" lang="en-US" sz="1200" b="0" i="0" u="none" strike="noStrike" kern="0" cap="none" spc="0" normalizeH="0" baseline="0" noProof="0" dirty="0" err="1">
+                <a:ln>
+                  <a:noFill/>
+                </a:ln>
+                <a:solidFill>
+                  <a:srgbClr val="000000"/>
+                </a:solidFill>
+                <a:effectLst/>
+                <a:uLnTx/>
+                <a:uFillTx/>
+                <a:latin typeface="Dosis" pitchFamily="2" charset="0"/>
+                <a:ea typeface="Comic Sans MS"/>
+                <a:cs typeface="Comic Sans MS"/>
+                <a:sym typeface="Comic Sans MS"/>
+              </a:rPr>
+              <a:t>bukan</a:t>
+            </a:r>
+            <a:endParaRPr kumimoji="0" lang="en-US" sz="1200" b="0" i="0" u="none" strike="noStrike" kern="0" cap="none" spc="0" normalizeH="0" baseline="0" noProof="0" dirty="0">
+              <a:ln>
+                <a:noFill/>
+              </a:ln>
+              <a:solidFill>
+                <a:srgbClr val="000000"/>
+              </a:solidFill>
+              <a:effectLst/>
+              <a:uLnTx/>
+              <a:uFillTx/>
+              <a:latin typeface="Dosis" pitchFamily="2" charset="0"/>
+              <a:ea typeface="Comic Sans MS"/>
+              <a:cs typeface="Comic Sans MS"/>
+              <a:sym typeface="Comic Sans MS"/>
+            </a:endParaRPr>
+          </a:p>
+          <a:p>
+            <a:pPr marL="228600" marR="0" lvl="0" indent="-228600" algn="l" defTabSz="914400" rtl="0" eaLnBrk="1" fontAlgn="auto" latinLnBrk="0" hangingPunct="1">
+              <a:lnSpc>
+                <a:spcPct val="100000"/>
+              </a:lnSpc>
+              <a:spcBef>
+                <a:spcPts val="0"/>
+              </a:spcBef>
+              <a:spcAft>
+                <a:spcPts val="0"/>
+              </a:spcAft>
+              <a:buClr>
+                <a:srgbClr val="000000"/>
+              </a:buClr>
+              <a:buSzPts val="1100"/>
+              <a:buFont typeface="Arial"/>
+              <a:buAutoNum type="arabicPeriod"/>
+              <a:tabLst/>
+              <a:defRPr/>
+            </a:pPr>
+            <a:r>
+              <a:rPr kumimoji="0" lang="en-US" sz="1200" b="0" i="0" u="none" strike="noStrike" kern="0" cap="none" spc="0" normalizeH="0" baseline="0" noProof="0" dirty="0" err="1">
+                <a:ln>
+                  <a:noFill/>
+                </a:ln>
+                <a:solidFill>
+                  <a:srgbClr val="000000"/>
+                </a:solidFill>
+                <a:effectLst/>
+                <a:uLnTx/>
+                <a:uFillTx/>
+                <a:latin typeface="Dosis" pitchFamily="2" charset="0"/>
+                <a:ea typeface="Comic Sans MS"/>
+                <a:cs typeface="Comic Sans MS"/>
+                <a:sym typeface="Comic Sans MS"/>
+              </a:rPr>
+              <a:t>Untuk</a:t>
+            </a:r>
+            <a:r>
+              <a:rPr kumimoji="0" lang="en-US" sz="1200" b="0" i="0" u="none" strike="noStrike" kern="0" cap="none" spc="0" normalizeH="0" baseline="0" noProof="0" dirty="0">
+                <a:ln>
+                  <a:noFill/>
+                </a:ln>
+                <a:solidFill>
+                  <a:srgbClr val="000000"/>
+                </a:solidFill>
+                <a:effectLst/>
+                <a:uLnTx/>
+                <a:uFillTx/>
+                <a:latin typeface="Dosis" pitchFamily="2" charset="0"/>
+                <a:ea typeface="Comic Sans MS"/>
+                <a:cs typeface="Comic Sans MS"/>
+                <a:sym typeface="Comic Sans MS"/>
+              </a:rPr>
+              <a:t> </a:t>
+            </a:r>
+            <a:r>
+              <a:rPr kumimoji="0" lang="en-US" sz="1200" b="0" i="0" u="none" strike="noStrike" kern="0" cap="none" spc="0" normalizeH="0" baseline="0" noProof="0" dirty="0" err="1">
+                <a:ln>
+                  <a:noFill/>
+                </a:ln>
+                <a:solidFill>
+                  <a:srgbClr val="000000"/>
+                </a:solidFill>
+                <a:effectLst/>
+                <a:uLnTx/>
+                <a:uFillTx/>
+                <a:latin typeface="Dosis" pitchFamily="2" charset="0"/>
+                <a:ea typeface="Comic Sans MS"/>
+                <a:cs typeface="Comic Sans MS"/>
+                <a:sym typeface="Comic Sans MS"/>
+              </a:rPr>
+              <a:t>korelasi</a:t>
+            </a:r>
+            <a:r>
+              <a:rPr kumimoji="0" lang="en-US" sz="1200" b="0" i="0" u="none" strike="noStrike" kern="0" cap="none" spc="0" normalizeH="0" baseline="0" noProof="0" dirty="0">
+                <a:ln>
+                  <a:noFill/>
+                </a:ln>
+                <a:solidFill>
+                  <a:srgbClr val="000000"/>
+                </a:solidFill>
+                <a:effectLst/>
+                <a:uLnTx/>
+                <a:uFillTx/>
+                <a:latin typeface="Dosis" pitchFamily="2" charset="0"/>
+                <a:ea typeface="Comic Sans MS"/>
+                <a:cs typeface="Comic Sans MS"/>
+                <a:sym typeface="Comic Sans MS"/>
+              </a:rPr>
+              <a:t>, </a:t>
+            </a:r>
+            <a:r>
+              <a:rPr kumimoji="0" lang="en-US" sz="1200" b="0" i="0" u="none" strike="noStrike" kern="0" cap="none" spc="0" normalizeH="0" baseline="0" noProof="0" dirty="0" err="1">
+                <a:ln>
+                  <a:noFill/>
+                </a:ln>
+                <a:solidFill>
+                  <a:srgbClr val="000000"/>
+                </a:solidFill>
+                <a:effectLst/>
+                <a:uLnTx/>
+                <a:uFillTx/>
+                <a:latin typeface="Dosis" pitchFamily="2" charset="0"/>
+                <a:ea typeface="Comic Sans MS"/>
+                <a:cs typeface="Comic Sans MS"/>
+                <a:sym typeface="Comic Sans MS"/>
+              </a:rPr>
+              <a:t>jika</a:t>
+            </a:r>
+            <a:r>
+              <a:rPr kumimoji="0" lang="en-US" sz="1200" b="0" i="0" u="none" strike="noStrike" kern="0" cap="none" spc="0" normalizeH="0" baseline="0" noProof="0" dirty="0">
+                <a:ln>
+                  <a:noFill/>
+                </a:ln>
+                <a:solidFill>
+                  <a:srgbClr val="000000"/>
+                </a:solidFill>
+                <a:effectLst/>
+                <a:uLnTx/>
+                <a:uFillTx/>
+                <a:latin typeface="Dosis" pitchFamily="2" charset="0"/>
+                <a:ea typeface="Comic Sans MS"/>
+                <a:cs typeface="Comic Sans MS"/>
+                <a:sym typeface="Comic Sans MS"/>
+              </a:rPr>
+              <a:t> </a:t>
+            </a:r>
+            <a:r>
+              <a:rPr kumimoji="0" lang="en-US" sz="1200" b="0" i="0" u="none" strike="noStrike" kern="0" cap="none" spc="0" normalizeH="0" baseline="0" noProof="0" dirty="0" err="1">
+                <a:ln>
+                  <a:noFill/>
+                </a:ln>
+                <a:solidFill>
+                  <a:srgbClr val="000000"/>
+                </a:solidFill>
+                <a:effectLst/>
+                <a:uLnTx/>
+                <a:uFillTx/>
+                <a:latin typeface="Dosis" pitchFamily="2" charset="0"/>
+                <a:ea typeface="Comic Sans MS"/>
+                <a:cs typeface="Comic Sans MS"/>
+                <a:sym typeface="Comic Sans MS"/>
+              </a:rPr>
+              <a:t>menggunakan</a:t>
+            </a:r>
+            <a:r>
+              <a:rPr kumimoji="0" lang="en-US" sz="1200" b="0" i="0" u="none" strike="noStrike" kern="0" cap="none" spc="0" normalizeH="0" baseline="0" noProof="0" dirty="0">
+                <a:ln>
+                  <a:noFill/>
+                </a:ln>
+                <a:solidFill>
+                  <a:srgbClr val="000000"/>
+                </a:solidFill>
+                <a:effectLst/>
+                <a:uLnTx/>
+                <a:uFillTx/>
+                <a:latin typeface="Dosis" pitchFamily="2" charset="0"/>
+                <a:ea typeface="Comic Sans MS"/>
+                <a:cs typeface="Comic Sans MS"/>
+                <a:sym typeface="Comic Sans MS"/>
+              </a:rPr>
+              <a:t> heatmap </a:t>
+            </a:r>
+            <a:r>
+              <a:rPr kumimoji="0" lang="en-US" sz="1200" b="0" i="0" u="none" strike="noStrike" kern="0" cap="none" spc="0" normalizeH="0" baseline="0" noProof="0" dirty="0" err="1">
+                <a:ln>
+                  <a:noFill/>
+                </a:ln>
+                <a:solidFill>
+                  <a:srgbClr val="000000"/>
+                </a:solidFill>
+                <a:effectLst/>
+                <a:uLnTx/>
+                <a:uFillTx/>
+                <a:latin typeface="Dosis" pitchFamily="2" charset="0"/>
+                <a:ea typeface="Comic Sans MS"/>
+                <a:cs typeface="Comic Sans MS"/>
+                <a:sym typeface="Comic Sans MS"/>
+              </a:rPr>
+              <a:t>ternyata</a:t>
+            </a:r>
+            <a:r>
+              <a:rPr kumimoji="0" lang="en-US" sz="1200" b="0" i="0" u="none" strike="noStrike" kern="0" cap="none" spc="0" normalizeH="0" baseline="0" noProof="0" dirty="0">
+                <a:ln>
+                  <a:noFill/>
+                </a:ln>
+                <a:solidFill>
+                  <a:srgbClr val="000000"/>
+                </a:solidFill>
+                <a:effectLst/>
+                <a:uLnTx/>
+                <a:uFillTx/>
+                <a:latin typeface="Dosis" pitchFamily="2" charset="0"/>
+                <a:ea typeface="Comic Sans MS"/>
+                <a:cs typeface="Comic Sans MS"/>
+                <a:sym typeface="Comic Sans MS"/>
+              </a:rPr>
+              <a:t> </a:t>
+            </a:r>
+            <a:r>
+              <a:rPr kumimoji="0" lang="en-US" sz="1200" b="0" i="0" u="none" strike="noStrike" kern="0" cap="none" spc="0" normalizeH="0" baseline="0" noProof="0" dirty="0" err="1">
+                <a:ln>
+                  <a:noFill/>
+                </a:ln>
+                <a:solidFill>
+                  <a:srgbClr val="000000"/>
+                </a:solidFill>
+                <a:effectLst/>
+                <a:uLnTx/>
+                <a:uFillTx/>
+                <a:latin typeface="Dosis" pitchFamily="2" charset="0"/>
+                <a:ea typeface="Comic Sans MS"/>
+                <a:cs typeface="Comic Sans MS"/>
+                <a:sym typeface="Comic Sans MS"/>
+              </a:rPr>
+              <a:t>tidak</a:t>
+            </a:r>
+            <a:r>
+              <a:rPr kumimoji="0" lang="en-US" sz="1200" b="0" i="0" u="none" strike="noStrike" kern="0" cap="none" spc="0" normalizeH="0" baseline="0" noProof="0" dirty="0">
+                <a:ln>
+                  <a:noFill/>
+                </a:ln>
+                <a:solidFill>
+                  <a:srgbClr val="000000"/>
+                </a:solidFill>
+                <a:effectLst/>
+                <a:uLnTx/>
+                <a:uFillTx/>
+                <a:latin typeface="Dosis" pitchFamily="2" charset="0"/>
+                <a:ea typeface="Comic Sans MS"/>
+                <a:cs typeface="Comic Sans MS"/>
+                <a:sym typeface="Comic Sans MS"/>
+              </a:rPr>
+              <a:t> </a:t>
+            </a:r>
+            <a:r>
+              <a:rPr kumimoji="0" lang="en-US" sz="1200" b="0" i="0" u="none" strike="noStrike" kern="0" cap="none" spc="0" normalizeH="0" baseline="0" noProof="0" dirty="0" err="1">
+                <a:ln>
+                  <a:noFill/>
+                </a:ln>
+                <a:solidFill>
+                  <a:srgbClr val="000000"/>
+                </a:solidFill>
+                <a:effectLst/>
+                <a:uLnTx/>
+                <a:uFillTx/>
+                <a:latin typeface="Dosis" pitchFamily="2" charset="0"/>
+                <a:ea typeface="Comic Sans MS"/>
+                <a:cs typeface="Comic Sans MS"/>
+                <a:sym typeface="Comic Sans MS"/>
+              </a:rPr>
+              <a:t>ada</a:t>
+            </a:r>
+            <a:r>
+              <a:rPr kumimoji="0" lang="en-US" sz="1200" b="0" i="0" u="none" strike="noStrike" kern="0" cap="none" spc="0" normalizeH="0" baseline="0" noProof="0" dirty="0">
+                <a:ln>
+                  <a:noFill/>
+                </a:ln>
+                <a:solidFill>
+                  <a:srgbClr val="000000"/>
+                </a:solidFill>
+                <a:effectLst/>
+                <a:uLnTx/>
+                <a:uFillTx/>
+                <a:latin typeface="Dosis" pitchFamily="2" charset="0"/>
+                <a:ea typeface="Comic Sans MS"/>
+                <a:cs typeface="Comic Sans MS"/>
+                <a:sym typeface="Comic Sans MS"/>
+              </a:rPr>
+              <a:t> </a:t>
+            </a:r>
+            <a:r>
+              <a:rPr kumimoji="0" lang="en-US" sz="1200" b="0" i="0" u="none" strike="noStrike" kern="0" cap="none" spc="0" normalizeH="0" baseline="0" noProof="0" dirty="0" err="1">
+                <a:ln>
+                  <a:noFill/>
+                </a:ln>
+                <a:solidFill>
+                  <a:srgbClr val="000000"/>
+                </a:solidFill>
+                <a:effectLst/>
+                <a:uLnTx/>
+                <a:uFillTx/>
+                <a:latin typeface="Dosis" pitchFamily="2" charset="0"/>
+                <a:ea typeface="Comic Sans MS"/>
+                <a:cs typeface="Comic Sans MS"/>
+                <a:sym typeface="Comic Sans MS"/>
+              </a:rPr>
+              <a:t>hubungan</a:t>
+            </a:r>
+            <a:r>
+              <a:rPr kumimoji="0" lang="en-US" sz="1200" b="0" i="0" u="none" strike="noStrike" kern="0" cap="none" spc="0" normalizeH="0" baseline="0" noProof="0" dirty="0">
+                <a:ln>
+                  <a:noFill/>
+                </a:ln>
+                <a:solidFill>
+                  <a:srgbClr val="000000"/>
+                </a:solidFill>
+                <a:effectLst/>
+                <a:uLnTx/>
+                <a:uFillTx/>
+                <a:latin typeface="Dosis" pitchFamily="2" charset="0"/>
+                <a:ea typeface="Comic Sans MS"/>
+                <a:cs typeface="Comic Sans MS"/>
+                <a:sym typeface="Comic Sans MS"/>
+              </a:rPr>
+              <a:t> yang linier, </a:t>
+            </a:r>
+            <a:r>
+              <a:rPr kumimoji="0" lang="en-US" sz="1200" b="0" i="0" u="none" strike="noStrike" kern="0" cap="none" spc="0" normalizeH="0" baseline="0" noProof="0" dirty="0" err="1">
+                <a:ln>
+                  <a:noFill/>
+                </a:ln>
+                <a:solidFill>
+                  <a:srgbClr val="000000"/>
+                </a:solidFill>
+                <a:effectLst/>
+                <a:uLnTx/>
+                <a:uFillTx/>
+                <a:latin typeface="Dosis" pitchFamily="2" charset="0"/>
+                <a:ea typeface="Comic Sans MS"/>
+                <a:cs typeface="Comic Sans MS"/>
+                <a:sym typeface="Comic Sans MS"/>
+              </a:rPr>
+              <a:t>maka</a:t>
+            </a:r>
+            <a:r>
+              <a:rPr kumimoji="0" lang="en-US" sz="1200" b="0" i="0" u="none" strike="noStrike" kern="0" cap="none" spc="0" normalizeH="0" baseline="0" noProof="0" dirty="0">
+                <a:ln>
+                  <a:noFill/>
+                </a:ln>
+                <a:solidFill>
+                  <a:srgbClr val="000000"/>
+                </a:solidFill>
+                <a:effectLst/>
+                <a:uLnTx/>
+                <a:uFillTx/>
+                <a:latin typeface="Dosis" pitchFamily="2" charset="0"/>
+                <a:ea typeface="Comic Sans MS"/>
+                <a:cs typeface="Comic Sans MS"/>
+                <a:sym typeface="Comic Sans MS"/>
+              </a:rPr>
+              <a:t> </a:t>
+            </a:r>
+            <a:r>
+              <a:rPr kumimoji="0" lang="en-US" sz="1200" b="0" i="0" u="none" strike="noStrike" kern="0" cap="none" spc="0" normalizeH="0" baseline="0" noProof="0" dirty="0" err="1">
+                <a:ln>
+                  <a:noFill/>
+                </a:ln>
+                <a:solidFill>
+                  <a:srgbClr val="000000"/>
+                </a:solidFill>
+                <a:effectLst/>
+                <a:uLnTx/>
+                <a:uFillTx/>
+                <a:latin typeface="Dosis" pitchFamily="2" charset="0"/>
+                <a:ea typeface="Comic Sans MS"/>
+                <a:cs typeface="Comic Sans MS"/>
+                <a:sym typeface="Comic Sans MS"/>
+              </a:rPr>
+              <a:t>perlu</a:t>
+            </a:r>
+            <a:r>
+              <a:rPr kumimoji="0" lang="en-US" sz="1200" b="0" i="0" u="none" strike="noStrike" kern="0" cap="none" spc="0" normalizeH="0" baseline="0" noProof="0" dirty="0">
+                <a:ln>
+                  <a:noFill/>
+                </a:ln>
+                <a:solidFill>
+                  <a:srgbClr val="000000"/>
+                </a:solidFill>
+                <a:effectLst/>
+                <a:uLnTx/>
+                <a:uFillTx/>
+                <a:latin typeface="Dosis" pitchFamily="2" charset="0"/>
+                <a:ea typeface="Comic Sans MS"/>
+                <a:cs typeface="Comic Sans MS"/>
+                <a:sym typeface="Comic Sans MS"/>
+              </a:rPr>
+              <a:t> </a:t>
+            </a:r>
+            <a:r>
+              <a:rPr kumimoji="0" lang="en-US" sz="1200" b="0" i="0" u="none" strike="noStrike" kern="0" cap="none" spc="0" normalizeH="0" baseline="0" noProof="0" dirty="0" err="1">
+                <a:ln>
+                  <a:noFill/>
+                </a:ln>
+                <a:solidFill>
+                  <a:srgbClr val="000000"/>
+                </a:solidFill>
+                <a:effectLst/>
+                <a:uLnTx/>
+                <a:uFillTx/>
+                <a:latin typeface="Dosis" pitchFamily="2" charset="0"/>
+                <a:ea typeface="Comic Sans MS"/>
+                <a:cs typeface="Comic Sans MS"/>
+                <a:sym typeface="Comic Sans MS"/>
+              </a:rPr>
+              <a:t>dicari</a:t>
+            </a:r>
+            <a:r>
+              <a:rPr kumimoji="0" lang="en-US" sz="1200" b="0" i="0" u="none" strike="noStrike" kern="0" cap="none" spc="0" normalizeH="0" baseline="0" noProof="0" dirty="0">
+                <a:ln>
+                  <a:noFill/>
+                </a:ln>
+                <a:solidFill>
+                  <a:srgbClr val="000000"/>
+                </a:solidFill>
+                <a:effectLst/>
+                <a:uLnTx/>
+                <a:uFillTx/>
+                <a:latin typeface="Dosis" pitchFamily="2" charset="0"/>
+                <a:ea typeface="Comic Sans MS"/>
+                <a:cs typeface="Comic Sans MS"/>
+                <a:sym typeface="Comic Sans MS"/>
+              </a:rPr>
+              <a:t> </a:t>
+            </a:r>
+            <a:r>
+              <a:rPr kumimoji="0" lang="en-US" sz="1200" b="0" i="0" u="none" strike="noStrike" kern="0" cap="none" spc="0" normalizeH="0" baseline="0" noProof="0" dirty="0" err="1">
+                <a:ln>
+                  <a:noFill/>
+                </a:ln>
+                <a:solidFill>
+                  <a:srgbClr val="000000"/>
+                </a:solidFill>
+                <a:effectLst/>
+                <a:uLnTx/>
+                <a:uFillTx/>
+                <a:latin typeface="Dosis" pitchFamily="2" charset="0"/>
+                <a:ea typeface="Comic Sans MS"/>
+                <a:cs typeface="Comic Sans MS"/>
+                <a:sym typeface="Comic Sans MS"/>
+              </a:rPr>
+              <a:t>dengan</a:t>
+            </a:r>
+            <a:r>
+              <a:rPr kumimoji="0" lang="en-US" sz="1200" b="0" i="0" u="none" strike="noStrike" kern="0" cap="none" spc="0" normalizeH="0" baseline="0" noProof="0" dirty="0">
+                <a:ln>
+                  <a:noFill/>
+                </a:ln>
+                <a:solidFill>
+                  <a:srgbClr val="000000"/>
+                </a:solidFill>
+                <a:effectLst/>
+                <a:uLnTx/>
+                <a:uFillTx/>
+                <a:latin typeface="Dosis" pitchFamily="2" charset="0"/>
+                <a:ea typeface="Comic Sans MS"/>
+                <a:cs typeface="Comic Sans MS"/>
+                <a:sym typeface="Comic Sans MS"/>
+              </a:rPr>
+              <a:t> </a:t>
+            </a:r>
+            <a:r>
+              <a:rPr kumimoji="0" lang="en-US" sz="1200" b="0" i="0" u="none" strike="noStrike" kern="0" cap="none" spc="0" normalizeH="0" baseline="0" noProof="0" dirty="0" err="1">
+                <a:ln>
+                  <a:noFill/>
+                </a:ln>
+                <a:solidFill>
+                  <a:srgbClr val="000000"/>
+                </a:solidFill>
+                <a:effectLst/>
+                <a:uLnTx/>
+                <a:uFillTx/>
+                <a:latin typeface="Dosis" pitchFamily="2" charset="0"/>
+                <a:ea typeface="Comic Sans MS"/>
+                <a:cs typeface="Comic Sans MS"/>
+                <a:sym typeface="Comic Sans MS"/>
+              </a:rPr>
+              <a:t>menggunakan</a:t>
+            </a:r>
+            <a:r>
+              <a:rPr kumimoji="0" lang="en-US" sz="1200" b="0" i="0" u="none" strike="noStrike" kern="0" cap="none" spc="0" normalizeH="0" baseline="0" noProof="0" dirty="0">
+                <a:ln>
+                  <a:noFill/>
+                </a:ln>
+                <a:solidFill>
+                  <a:srgbClr val="000000"/>
+                </a:solidFill>
+                <a:effectLst/>
+                <a:uLnTx/>
+                <a:uFillTx/>
+                <a:latin typeface="Dosis" pitchFamily="2" charset="0"/>
+                <a:ea typeface="Comic Sans MS"/>
+                <a:cs typeface="Comic Sans MS"/>
+                <a:sym typeface="Comic Sans MS"/>
+              </a:rPr>
+              <a:t> </a:t>
+            </a:r>
+            <a:r>
+              <a:rPr kumimoji="0" lang="en-US" sz="1200" b="0" i="0" u="none" strike="noStrike" kern="0" cap="none" spc="0" normalizeH="0" baseline="0" noProof="0" dirty="0" err="1">
+                <a:ln>
+                  <a:noFill/>
+                </a:ln>
+                <a:solidFill>
+                  <a:srgbClr val="000000"/>
+                </a:solidFill>
+                <a:effectLst/>
+                <a:uLnTx/>
+                <a:uFillTx/>
+                <a:latin typeface="Dosis" pitchFamily="2" charset="0"/>
+                <a:ea typeface="Comic Sans MS"/>
+                <a:cs typeface="Comic Sans MS"/>
+                <a:sym typeface="Comic Sans MS"/>
+              </a:rPr>
+              <a:t>alternatif</a:t>
+            </a:r>
+            <a:r>
+              <a:rPr kumimoji="0" lang="en-US" sz="1200" b="0" i="0" u="none" strike="noStrike" kern="0" cap="none" spc="0" normalizeH="0" baseline="0" noProof="0" dirty="0">
+                <a:ln>
+                  <a:noFill/>
+                </a:ln>
+                <a:solidFill>
+                  <a:srgbClr val="000000"/>
+                </a:solidFill>
+                <a:effectLst/>
+                <a:uLnTx/>
+                <a:uFillTx/>
+                <a:latin typeface="Dosis" pitchFamily="2" charset="0"/>
+                <a:ea typeface="Comic Sans MS"/>
+                <a:cs typeface="Comic Sans MS"/>
+                <a:sym typeface="Comic Sans MS"/>
+              </a:rPr>
+              <a:t> </a:t>
+            </a:r>
+            <a:r>
+              <a:rPr kumimoji="0" lang="en-US" sz="1200" b="0" i="0" u="none" strike="noStrike" kern="0" cap="none" spc="0" normalizeH="0" baseline="0" noProof="0" dirty="0" err="1">
+                <a:ln>
+                  <a:noFill/>
+                </a:ln>
+                <a:solidFill>
+                  <a:srgbClr val="000000"/>
+                </a:solidFill>
+                <a:effectLst/>
+                <a:uLnTx/>
+                <a:uFillTx/>
+                <a:latin typeface="Dosis" pitchFamily="2" charset="0"/>
+                <a:ea typeface="Comic Sans MS"/>
+                <a:cs typeface="Comic Sans MS"/>
+                <a:sym typeface="Comic Sans MS"/>
+              </a:rPr>
+              <a:t>lainnya</a:t>
+            </a:r>
+            <a:endParaRPr kumimoji="0" lang="en-US" sz="1200" b="0" i="0" u="none" strike="noStrike" kern="0" cap="none" spc="0" normalizeH="0" baseline="0" noProof="0" dirty="0">
+              <a:ln>
+                <a:noFill/>
+              </a:ln>
+              <a:solidFill>
+                <a:srgbClr val="000000"/>
+              </a:solidFill>
+              <a:effectLst/>
+              <a:uLnTx/>
+              <a:uFillTx/>
+              <a:latin typeface="Dosis" pitchFamily="2" charset="0"/>
+              <a:ea typeface="Comic Sans MS"/>
+              <a:cs typeface="Comic Sans MS"/>
+              <a:sym typeface="Comic Sans MS"/>
+            </a:endParaRPr>
+          </a:p>
+          <a:p>
+            <a:pPr marL="228600" marR="0" lvl="0" indent="-228600" algn="l" defTabSz="914400" rtl="0" eaLnBrk="1" fontAlgn="auto" latinLnBrk="0" hangingPunct="1">
+              <a:lnSpc>
+                <a:spcPct val="100000"/>
+              </a:lnSpc>
+              <a:spcBef>
+                <a:spcPts val="0"/>
+              </a:spcBef>
+              <a:spcAft>
+                <a:spcPts val="0"/>
+              </a:spcAft>
+              <a:buClr>
+                <a:srgbClr val="000000"/>
+              </a:buClr>
+              <a:buSzPts val="1100"/>
+              <a:buFont typeface="Arial"/>
+              <a:buAutoNum type="arabicPeriod"/>
+              <a:tabLst/>
+              <a:defRPr/>
+            </a:pPr>
+            <a:r>
+              <a:rPr kumimoji="0" lang="en-US" sz="1200" b="0" i="0" u="none" strike="noStrike" kern="0" cap="none" spc="0" normalizeH="0" baseline="0" noProof="0" dirty="0">
+                <a:ln>
+                  <a:noFill/>
+                </a:ln>
+                <a:solidFill>
+                  <a:srgbClr val="000000"/>
+                </a:solidFill>
+                <a:effectLst/>
+                <a:uLnTx/>
+                <a:uFillTx/>
+                <a:latin typeface="Dosis" pitchFamily="2" charset="0"/>
+                <a:ea typeface="Comic Sans MS"/>
+                <a:cs typeface="Comic Sans MS"/>
+                <a:sym typeface="Comic Sans MS"/>
+              </a:rPr>
+              <a:t>Jika </a:t>
+            </a:r>
+            <a:r>
+              <a:rPr kumimoji="0" lang="en-US" sz="1200" b="0" i="0" u="none" strike="noStrike" kern="0" cap="none" spc="0" normalizeH="0" baseline="0" noProof="0" dirty="0" err="1">
+                <a:ln>
+                  <a:noFill/>
+                </a:ln>
+                <a:solidFill>
+                  <a:srgbClr val="000000"/>
+                </a:solidFill>
+                <a:effectLst/>
+                <a:uLnTx/>
+                <a:uFillTx/>
+                <a:latin typeface="Dosis" pitchFamily="2" charset="0"/>
+                <a:ea typeface="Comic Sans MS"/>
+                <a:cs typeface="Comic Sans MS"/>
+                <a:sym typeface="Comic Sans MS"/>
+              </a:rPr>
+              <a:t>untuk</a:t>
+            </a:r>
+            <a:r>
+              <a:rPr kumimoji="0" lang="en-US" sz="1200" b="0" i="0" u="none" strike="noStrike" kern="0" cap="none" spc="0" normalizeH="0" baseline="0" noProof="0" dirty="0">
+                <a:ln>
+                  <a:noFill/>
+                </a:ln>
+                <a:solidFill>
+                  <a:srgbClr val="000000"/>
+                </a:solidFill>
+                <a:effectLst/>
+                <a:uLnTx/>
+                <a:uFillTx/>
+                <a:latin typeface="Dosis" pitchFamily="2" charset="0"/>
+                <a:ea typeface="Comic Sans MS"/>
+                <a:cs typeface="Comic Sans MS"/>
+                <a:sym typeface="Comic Sans MS"/>
+              </a:rPr>
+              <a:t> </a:t>
+            </a:r>
+            <a:r>
+              <a:rPr kumimoji="0" lang="en-US" sz="1200" b="0" i="0" u="none" strike="noStrike" kern="0" cap="none" spc="0" normalizeH="0" baseline="0" noProof="0" dirty="0" err="1">
+                <a:ln>
+                  <a:noFill/>
+                </a:ln>
+                <a:solidFill>
+                  <a:srgbClr val="000000"/>
+                </a:solidFill>
+                <a:effectLst/>
+                <a:uLnTx/>
+                <a:uFillTx/>
+                <a:latin typeface="Dosis" pitchFamily="2" charset="0"/>
+                <a:ea typeface="Comic Sans MS"/>
+                <a:cs typeface="Comic Sans MS"/>
+                <a:sym typeface="Comic Sans MS"/>
+              </a:rPr>
+              <a:t>mencari</a:t>
+            </a:r>
+            <a:r>
+              <a:rPr kumimoji="0" lang="en-US" sz="1200" b="0" i="0" u="none" strike="noStrike" kern="0" cap="none" spc="0" normalizeH="0" baseline="0" noProof="0" dirty="0">
+                <a:ln>
+                  <a:noFill/>
+                </a:ln>
+                <a:solidFill>
+                  <a:srgbClr val="000000"/>
+                </a:solidFill>
+                <a:effectLst/>
+                <a:uLnTx/>
+                <a:uFillTx/>
+                <a:latin typeface="Dosis" pitchFamily="2" charset="0"/>
+                <a:ea typeface="Comic Sans MS"/>
+                <a:cs typeface="Comic Sans MS"/>
+                <a:sym typeface="Comic Sans MS"/>
+              </a:rPr>
+              <a:t> insight </a:t>
+            </a:r>
+            <a:r>
+              <a:rPr kumimoji="0" lang="en-US" sz="1200" b="0" i="0" u="none" strike="noStrike" kern="0" cap="none" spc="0" normalizeH="0" baseline="0" noProof="0" dirty="0" err="1">
+                <a:ln>
+                  <a:noFill/>
+                </a:ln>
+                <a:solidFill>
+                  <a:srgbClr val="000000"/>
+                </a:solidFill>
+                <a:effectLst/>
+                <a:uLnTx/>
+                <a:uFillTx/>
+                <a:latin typeface="Dosis" pitchFamily="2" charset="0"/>
+                <a:ea typeface="Comic Sans MS"/>
+                <a:cs typeface="Comic Sans MS"/>
+                <a:sym typeface="Comic Sans MS"/>
+              </a:rPr>
+              <a:t>dengan</a:t>
+            </a:r>
+            <a:r>
+              <a:rPr kumimoji="0" lang="en-US" sz="1200" b="0" i="0" u="none" strike="noStrike" kern="0" cap="none" spc="0" normalizeH="0" baseline="0" noProof="0" dirty="0">
+                <a:ln>
+                  <a:noFill/>
+                </a:ln>
+                <a:solidFill>
+                  <a:srgbClr val="000000"/>
+                </a:solidFill>
+                <a:effectLst/>
+                <a:uLnTx/>
+                <a:uFillTx/>
+                <a:latin typeface="Dosis" pitchFamily="2" charset="0"/>
+                <a:ea typeface="Comic Sans MS"/>
+                <a:cs typeface="Comic Sans MS"/>
+                <a:sym typeface="Comic Sans MS"/>
+              </a:rPr>
+              <a:t> </a:t>
+            </a:r>
+            <a:r>
+              <a:rPr kumimoji="0" lang="en-US" sz="1200" b="0" i="0" u="none" strike="noStrike" kern="0" cap="none" spc="0" normalizeH="0" baseline="0" noProof="0" dirty="0" err="1">
+                <a:ln>
+                  <a:noFill/>
+                </a:ln>
+                <a:solidFill>
+                  <a:srgbClr val="000000"/>
+                </a:solidFill>
+                <a:effectLst/>
+                <a:uLnTx/>
+                <a:uFillTx/>
+                <a:latin typeface="Dosis" pitchFamily="2" charset="0"/>
+                <a:ea typeface="Comic Sans MS"/>
+                <a:cs typeface="Comic Sans MS"/>
+                <a:sym typeface="Comic Sans MS"/>
+              </a:rPr>
+              <a:t>visualisasi</a:t>
+            </a:r>
+            <a:r>
+              <a:rPr kumimoji="0" lang="en-US" sz="1200" b="0" i="0" u="none" strike="noStrike" kern="0" cap="none" spc="0" normalizeH="0" baseline="0" noProof="0" dirty="0">
+                <a:ln>
+                  <a:noFill/>
+                </a:ln>
+                <a:solidFill>
+                  <a:srgbClr val="000000"/>
+                </a:solidFill>
+                <a:effectLst/>
+                <a:uLnTx/>
+                <a:uFillTx/>
+                <a:latin typeface="Dosis" pitchFamily="2" charset="0"/>
+                <a:ea typeface="Comic Sans MS"/>
+                <a:cs typeface="Comic Sans MS"/>
+                <a:sym typeface="Comic Sans MS"/>
+              </a:rPr>
+              <a:t> </a:t>
+            </a:r>
+            <a:r>
+              <a:rPr kumimoji="0" lang="en-US" sz="1200" b="0" i="0" u="none" strike="noStrike" kern="0" cap="none" spc="0" normalizeH="0" baseline="0" noProof="0" dirty="0" err="1">
+                <a:ln>
+                  <a:noFill/>
+                </a:ln>
+                <a:solidFill>
+                  <a:srgbClr val="000000"/>
+                </a:solidFill>
+                <a:effectLst/>
+                <a:uLnTx/>
+                <a:uFillTx/>
+                <a:latin typeface="Dosis" pitchFamily="2" charset="0"/>
+                <a:ea typeface="Comic Sans MS"/>
+                <a:cs typeface="Comic Sans MS"/>
+                <a:sym typeface="Comic Sans MS"/>
+              </a:rPr>
+              <a:t>frekuensi</a:t>
+            </a:r>
+            <a:r>
+              <a:rPr kumimoji="0" lang="en-US" sz="1200" b="0" i="0" u="none" strike="noStrike" kern="0" cap="none" spc="0" normalizeH="0" baseline="0" noProof="0" dirty="0">
+                <a:ln>
+                  <a:noFill/>
+                </a:ln>
+                <a:solidFill>
+                  <a:srgbClr val="000000"/>
+                </a:solidFill>
+                <a:effectLst/>
+                <a:uLnTx/>
+                <a:uFillTx/>
+                <a:latin typeface="Dosis" pitchFamily="2" charset="0"/>
+                <a:ea typeface="Comic Sans MS"/>
+                <a:cs typeface="Comic Sans MS"/>
+                <a:sym typeface="Comic Sans MS"/>
+              </a:rPr>
+              <a:t> </a:t>
+            </a:r>
+            <a:r>
+              <a:rPr kumimoji="0" lang="en-US" sz="1200" b="0" i="0" u="none" strike="noStrike" kern="0" cap="none" spc="0" normalizeH="0" baseline="0" noProof="0" dirty="0" err="1">
+                <a:ln>
+                  <a:noFill/>
+                </a:ln>
+                <a:solidFill>
+                  <a:srgbClr val="000000"/>
+                </a:solidFill>
+                <a:effectLst/>
+                <a:uLnTx/>
+                <a:uFillTx/>
+                <a:latin typeface="Dosis" pitchFamily="2" charset="0"/>
+                <a:ea typeface="Comic Sans MS"/>
+                <a:cs typeface="Comic Sans MS"/>
+                <a:sym typeface="Comic Sans MS"/>
+              </a:rPr>
+              <a:t>terlalu</a:t>
+            </a:r>
+            <a:r>
+              <a:rPr kumimoji="0" lang="en-US" sz="1200" b="0" i="0" u="none" strike="noStrike" kern="0" cap="none" spc="0" normalizeH="0" baseline="0" noProof="0" dirty="0">
+                <a:ln>
+                  <a:noFill/>
+                </a:ln>
+                <a:solidFill>
+                  <a:srgbClr val="000000"/>
+                </a:solidFill>
+                <a:effectLst/>
+                <a:uLnTx/>
+                <a:uFillTx/>
+                <a:latin typeface="Dosis" pitchFamily="2" charset="0"/>
+                <a:ea typeface="Comic Sans MS"/>
+                <a:cs typeface="Comic Sans MS"/>
+                <a:sym typeface="Comic Sans MS"/>
+              </a:rPr>
+              <a:t> </a:t>
+            </a:r>
+            <a:r>
+              <a:rPr kumimoji="0" lang="en-US" sz="1200" b="0" i="0" u="none" strike="noStrike" kern="0" cap="none" spc="0" normalizeH="0" baseline="0" noProof="0" dirty="0" err="1">
+                <a:ln>
+                  <a:noFill/>
+                </a:ln>
+                <a:solidFill>
+                  <a:srgbClr val="000000"/>
+                </a:solidFill>
+                <a:effectLst/>
+                <a:uLnTx/>
+                <a:uFillTx/>
+                <a:latin typeface="Dosis" pitchFamily="2" charset="0"/>
+                <a:ea typeface="Comic Sans MS"/>
+                <a:cs typeface="Comic Sans MS"/>
+                <a:sym typeface="Comic Sans MS"/>
+              </a:rPr>
+              <a:t>susah</a:t>
+            </a:r>
+            <a:r>
+              <a:rPr kumimoji="0" lang="en-US" sz="1200" b="0" i="0" u="none" strike="noStrike" kern="0" cap="none" spc="0" normalizeH="0" baseline="0" noProof="0" dirty="0">
+                <a:ln>
+                  <a:noFill/>
+                </a:ln>
+                <a:solidFill>
+                  <a:srgbClr val="000000"/>
+                </a:solidFill>
+                <a:effectLst/>
+                <a:uLnTx/>
+                <a:uFillTx/>
+                <a:latin typeface="Dosis" pitchFamily="2" charset="0"/>
+                <a:ea typeface="Comic Sans MS"/>
+                <a:cs typeface="Comic Sans MS"/>
+                <a:sym typeface="Comic Sans MS"/>
+              </a:rPr>
+              <a:t>, </a:t>
+            </a:r>
+            <a:r>
+              <a:rPr kumimoji="0" lang="en-US" sz="1200" b="0" i="0" u="none" strike="noStrike" kern="0" cap="none" spc="0" normalizeH="0" baseline="0" noProof="0" dirty="0" err="1">
+                <a:ln>
+                  <a:noFill/>
+                </a:ln>
+                <a:solidFill>
+                  <a:srgbClr val="000000"/>
+                </a:solidFill>
+                <a:effectLst/>
+                <a:uLnTx/>
+                <a:uFillTx/>
+                <a:latin typeface="Dosis" pitchFamily="2" charset="0"/>
+                <a:ea typeface="Comic Sans MS"/>
+                <a:cs typeface="Comic Sans MS"/>
+                <a:sym typeface="Comic Sans MS"/>
+              </a:rPr>
+              <a:t>bisa</a:t>
+            </a:r>
+            <a:r>
+              <a:rPr kumimoji="0" lang="en-US" sz="1200" b="0" i="0" u="none" strike="noStrike" kern="0" cap="none" spc="0" normalizeH="0" baseline="0" noProof="0" dirty="0">
+                <a:ln>
+                  <a:noFill/>
+                </a:ln>
+                <a:solidFill>
+                  <a:srgbClr val="000000"/>
+                </a:solidFill>
+                <a:effectLst/>
+                <a:uLnTx/>
+                <a:uFillTx/>
+                <a:latin typeface="Dosis" pitchFamily="2" charset="0"/>
+                <a:ea typeface="Comic Sans MS"/>
+                <a:cs typeface="Comic Sans MS"/>
+                <a:sym typeface="Comic Sans MS"/>
+              </a:rPr>
+              <a:t> </a:t>
+            </a:r>
+            <a:r>
+              <a:rPr kumimoji="0" lang="en-US" sz="1200" b="0" i="0" u="none" strike="noStrike" kern="0" cap="none" spc="0" normalizeH="0" baseline="0" noProof="0" dirty="0" err="1">
+                <a:ln>
+                  <a:noFill/>
+                </a:ln>
+                <a:solidFill>
+                  <a:srgbClr val="000000"/>
+                </a:solidFill>
+                <a:effectLst/>
+                <a:uLnTx/>
+                <a:uFillTx/>
+                <a:latin typeface="Dosis" pitchFamily="2" charset="0"/>
+                <a:ea typeface="Comic Sans MS"/>
+                <a:cs typeface="Comic Sans MS"/>
+                <a:sym typeface="Comic Sans MS"/>
+              </a:rPr>
+              <a:t>dengan</a:t>
+            </a:r>
+            <a:r>
+              <a:rPr kumimoji="0" lang="en-US" sz="1200" b="0" i="0" u="none" strike="noStrike" kern="0" cap="none" spc="0" normalizeH="0" baseline="0" noProof="0" dirty="0">
+                <a:ln>
+                  <a:noFill/>
+                </a:ln>
+                <a:solidFill>
+                  <a:srgbClr val="000000"/>
+                </a:solidFill>
+                <a:effectLst/>
+                <a:uLnTx/>
+                <a:uFillTx/>
+                <a:latin typeface="Dosis" pitchFamily="2" charset="0"/>
+                <a:ea typeface="Comic Sans MS"/>
+                <a:cs typeface="Comic Sans MS"/>
+                <a:sym typeface="Comic Sans MS"/>
+              </a:rPr>
+              <a:t> </a:t>
+            </a:r>
+            <a:r>
+              <a:rPr kumimoji="0" lang="en-US" sz="1200" b="0" i="0" u="none" strike="noStrike" kern="0" cap="none" spc="0" normalizeH="0" baseline="0" noProof="0" dirty="0" err="1">
+                <a:ln>
+                  <a:noFill/>
+                </a:ln>
+                <a:solidFill>
+                  <a:srgbClr val="000000"/>
+                </a:solidFill>
+                <a:effectLst/>
+                <a:uLnTx/>
+                <a:uFillTx/>
+                <a:latin typeface="Dosis" pitchFamily="2" charset="0"/>
+                <a:ea typeface="Comic Sans MS"/>
+                <a:cs typeface="Comic Sans MS"/>
+                <a:sym typeface="Comic Sans MS"/>
+              </a:rPr>
+              <a:t>menggunakan</a:t>
+            </a:r>
+            <a:r>
+              <a:rPr kumimoji="0" lang="en-US" sz="1200" b="0" i="0" u="none" strike="noStrike" kern="0" cap="none" spc="0" normalizeH="0" baseline="0" noProof="0" dirty="0">
+                <a:ln>
+                  <a:noFill/>
+                </a:ln>
+                <a:solidFill>
+                  <a:srgbClr val="000000"/>
+                </a:solidFill>
+                <a:effectLst/>
+                <a:uLnTx/>
+                <a:uFillTx/>
+                <a:latin typeface="Dosis" pitchFamily="2" charset="0"/>
+                <a:ea typeface="Comic Sans MS"/>
+                <a:cs typeface="Comic Sans MS"/>
+                <a:sym typeface="Comic Sans MS"/>
+              </a:rPr>
+              <a:t> pie chart</a:t>
+            </a:r>
+          </a:p>
+          <a:p>
             <a:pPr marL="0" lvl="0" indent="0" algn="l" rtl="0">
               <a:spcBef>
                 <a:spcPts val="0"/>
@@ -14360,7 +15380,7 @@
               <a:buSzPts val="1100"/>
               <a:buNone/>
             </a:pPr>
-            <a:endParaRPr sz="1500" b="1">
+            <a:endParaRPr lang="en-ID" sz="1500" b="1" dirty="0">
               <a:latin typeface="Comic Sans MS"/>
               <a:ea typeface="Comic Sans MS"/>
               <a:cs typeface="Comic Sans MS"/>
@@ -14380,7 +15400,7 @@
         <p:fade/>
       </p:transition>
     </mc:Choice>
-    <mc:Fallback xmlns:ahyp="http://schemas.microsoft.com/office/drawing/2018/hyperlinkcolor" xmlns:p15="http://schemas.microsoft.com/office/powerpoint/2012/main" xmlns:com="http://schemas.openxmlformats.org/drawingml/2006/compatibility" xmlns:pvml="urn:schemas-microsoft-com:office:powerpoint" xmlns:v="urn:schemas-microsoft-com:vml" xmlns:o="urn:schemas-microsoft-com:office:office" xmlns:dgm="http://schemas.openxmlformats.org/drawingml/2006/diagram" xmlns:c="http://schemas.openxmlformats.org/drawingml/2006/chart" xmlns:mv="urn:schemas-microsoft-com:mac:vml" xmlns="">
+    <mc:Fallback xmlns="" xmlns:mv="urn:schemas-microsoft-com:mac:vml" xmlns:c="http://schemas.openxmlformats.org/drawingml/2006/chart" xmlns:dgm="http://schemas.openxmlformats.org/drawingml/2006/diagram" xmlns:o="urn:schemas-microsoft-com:office:office" xmlns:v="urn:schemas-microsoft-com:vml" xmlns:pvml="urn:schemas-microsoft-com:office:powerpoint" xmlns:com="http://schemas.openxmlformats.org/drawingml/2006/compatibility" xmlns:p15="http://schemas.microsoft.com/office/powerpoint/2012/main" xmlns:ahyp="http://schemas.microsoft.com/office/drawing/2018/hyperlinkcolor">
       <p:transition spd="slow">
         <p:fade/>
       </p:transition>
